--- a/Groupe 5.pptx
+++ b/Groupe 5.pptx
@@ -5,10 +5,10 @@
     <p:sldMasterId id="2147483705" r:id="rId1"/>
   </p:sldMasterIdLst>
   <p:notesMasterIdLst>
-    <p:notesMasterId r:id="rId14"/>
+    <p:notesMasterId r:id="rId20"/>
   </p:notesMasterIdLst>
   <p:handoutMasterIdLst>
-    <p:handoutMasterId r:id="rId15"/>
+    <p:handoutMasterId r:id="rId21"/>
   </p:handoutMasterIdLst>
   <p:sldIdLst>
     <p:sldId id="259" r:id="rId2"/>
@@ -19,10 +19,16 @@
     <p:sldId id="263" r:id="rId7"/>
     <p:sldId id="270" r:id="rId8"/>
     <p:sldId id="265" r:id="rId9"/>
-    <p:sldId id="266" r:id="rId10"/>
-    <p:sldId id="267" r:id="rId11"/>
-    <p:sldId id="264" r:id="rId12"/>
-    <p:sldId id="268" r:id="rId13"/>
+    <p:sldId id="277" r:id="rId10"/>
+    <p:sldId id="266" r:id="rId11"/>
+    <p:sldId id="276" r:id="rId12"/>
+    <p:sldId id="271" r:id="rId13"/>
+    <p:sldId id="273" r:id="rId14"/>
+    <p:sldId id="272" r:id="rId15"/>
+    <p:sldId id="274" r:id="rId16"/>
+    <p:sldId id="267" r:id="rId17"/>
+    <p:sldId id="264" r:id="rId18"/>
+    <p:sldId id="268" r:id="rId19"/>
   </p:sldIdLst>
   <p:sldSz cx="12192000" cy="6858000"/>
   <p:notesSz cx="6858000" cy="9144000"/>
@@ -6885,6 +6891,18 @@
   <p:clrMapOvr>
     <a:masterClrMapping/>
   </p:clrMapOvr>
+  <mc:AlternateContent xmlns:mc="http://schemas.openxmlformats.org/markup-compatibility/2006">
+    <mc:Choice xmlns:p14="http://schemas.microsoft.com/office/powerpoint/2010/main" Requires="p14">
+      <p:transition spd="med" p14:dur="700">
+        <p:fade/>
+      </p:transition>
+    </mc:Choice>
+    <mc:Fallback>
+      <p:transition spd="med">
+        <p:fade/>
+      </p:transition>
+    </mc:Fallback>
+  </mc:AlternateContent>
 </p:sld>
 </file>
 
@@ -6910,7 +6928,537 @@
           <p:cNvPr id="2" name="Titre 1">
             <a:extLst>
               <a:ext uri="{FF2B5EF4-FFF2-40B4-BE49-F238E27FC236}">
-                <a16:creationId xmlns:a16="http://schemas.microsoft.com/office/drawing/2014/main" id="{3779C413-8568-5B76-EBE4-A2286DB077F6}"/>
+                <a16:creationId xmlns:a16="http://schemas.microsoft.com/office/drawing/2014/main" id="{9FD5754E-0FDF-2C55-12AD-697FFCA1162F}"/>
+              </a:ext>
+            </a:extLst>
+          </p:cNvPr>
+          <p:cNvSpPr>
+            <a:spLocks noGrp="1"/>
+          </p:cNvSpPr>
+          <p:nvPr>
+            <p:ph type="title"/>
+          </p:nvPr>
+        </p:nvSpPr>
+        <p:spPr>
+          <a:xfrm>
+            <a:off x="913795" y="609600"/>
+            <a:ext cx="10353762" cy="1261872"/>
+          </a:xfrm>
+        </p:spPr>
+        <p:txBody>
+          <a:bodyPr anchor="ctr">
+            <a:normAutofit/>
+          </a:bodyPr>
+          <a:lstStyle/>
+          <a:p>
+            <a:r>
+              <a:rPr lang="fr-FR" dirty="0"/>
+              <a:t>Les analyses</a:t>
+            </a:r>
+          </a:p>
+        </p:txBody>
+      </p:sp>
+      <p:pic>
+        <p:nvPicPr>
+          <p:cNvPr id="6" name="Espace réservé du contenu 5" descr="Une image contenant graphique&#10;&#10;Description générée automatiquement">
+            <a:extLst>
+              <a:ext uri="{FF2B5EF4-FFF2-40B4-BE49-F238E27FC236}">
+                <a16:creationId xmlns:a16="http://schemas.microsoft.com/office/drawing/2014/main" id="{A3D9767C-75AA-9332-BE1C-98F1DFB2DCB7}"/>
+              </a:ext>
+            </a:extLst>
+          </p:cNvPr>
+          <p:cNvPicPr>
+            <a:picLocks noGrp="1" noChangeAspect="1"/>
+          </p:cNvPicPr>
+          <p:nvPr>
+            <p:ph sz="half" idx="1"/>
+          </p:nvPr>
+        </p:nvPicPr>
+        <p:blipFill>
+          <a:blip r:embed="rId2">
+            <a:extLst>
+              <a:ext uri="{28A0092B-C50C-407E-A947-70E740481C1C}">
+                <a14:useLocalDpi xmlns:a14="http://schemas.microsoft.com/office/drawing/2010/main" val="0"/>
+              </a:ext>
+            </a:extLst>
+          </a:blip>
+          <a:stretch>
+            <a:fillRect/>
+          </a:stretch>
+        </p:blipFill>
+        <p:spPr>
+          <a:xfrm>
+            <a:off x="913795" y="2225222"/>
+            <a:ext cx="4856841" cy="3325126"/>
+          </a:xfrm>
+          <a:noFill/>
+        </p:spPr>
+      </p:pic>
+      <p:sp>
+        <p:nvSpPr>
+          <p:cNvPr id="4" name="Espace réservé du numéro de diapositive 3">
+            <a:extLst>
+              <a:ext uri="{FF2B5EF4-FFF2-40B4-BE49-F238E27FC236}">
+                <a16:creationId xmlns:a16="http://schemas.microsoft.com/office/drawing/2014/main" id="{85E24B14-D545-5014-A9C1-3CAC57841C4D}"/>
+              </a:ext>
+            </a:extLst>
+          </p:cNvPr>
+          <p:cNvSpPr>
+            <a:spLocks noGrp="1"/>
+          </p:cNvSpPr>
+          <p:nvPr>
+            <p:ph type="sldNum" sz="quarter" idx="12"/>
+          </p:nvPr>
+        </p:nvSpPr>
+        <p:spPr>
+          <a:xfrm>
+            <a:off x="10514011" y="6000749"/>
+            <a:ext cx="753545" cy="365125"/>
+          </a:xfrm>
+        </p:spPr>
+        <p:txBody>
+          <a:bodyPr anchor="ctr">
+            <a:normAutofit/>
+          </a:bodyPr>
+          <a:lstStyle/>
+          <a:p>
+            <a:pPr rtl="0">
+              <a:spcAft>
+                <a:spcPts val="600"/>
+              </a:spcAft>
+            </a:pPr>
+            <a:fld id="{3A98EE3D-8CD1-4C3F-BD1C-C98C9596463C}" type="slidenum">
+              <a:rPr lang="en-US" smtClean="0"/>
+              <a:pPr rtl="0">
+                <a:spcAft>
+                  <a:spcPts val="600"/>
+                </a:spcAft>
+              </a:pPr>
+              <a:t>10</a:t>
+            </a:fld>
+            <a:endParaRPr lang="en-US"/>
+          </a:p>
+        </p:txBody>
+      </p:sp>
+      <p:pic>
+        <p:nvPicPr>
+          <p:cNvPr id="14" name="Image 13" descr="Une image contenant graphique&#10;&#10;Description générée automatiquement">
+            <a:extLst>
+              <a:ext uri="{FF2B5EF4-FFF2-40B4-BE49-F238E27FC236}">
+                <a16:creationId xmlns:a16="http://schemas.microsoft.com/office/drawing/2014/main" id="{6666A418-D7E5-EFAB-E996-10F1E52EBE8D}"/>
+              </a:ext>
+            </a:extLst>
+          </p:cNvPr>
+          <p:cNvPicPr>
+            <a:picLocks noChangeAspect="1"/>
+          </p:cNvPicPr>
+          <p:nvPr/>
+        </p:nvPicPr>
+        <p:blipFill>
+          <a:blip r:embed="rId3">
+            <a:extLst>
+              <a:ext uri="{28A0092B-C50C-407E-A947-70E740481C1C}">
+                <a14:useLocalDpi xmlns:a14="http://schemas.microsoft.com/office/drawing/2010/main" val="0"/>
+              </a:ext>
+            </a:extLst>
+          </a:blip>
+          <a:stretch>
+            <a:fillRect/>
+          </a:stretch>
+        </p:blipFill>
+        <p:spPr>
+          <a:xfrm>
+            <a:off x="6266844" y="2225222"/>
+            <a:ext cx="5211089" cy="3315601"/>
+          </a:xfrm>
+          <a:prstGeom prst="rect">
+            <a:avLst/>
+          </a:prstGeom>
+        </p:spPr>
+      </p:pic>
+      <p:cxnSp>
+        <p:nvCxnSpPr>
+          <p:cNvPr id="21" name="Connecteur droit 20">
+            <a:extLst>
+              <a:ext uri="{FF2B5EF4-FFF2-40B4-BE49-F238E27FC236}">
+                <a16:creationId xmlns:a16="http://schemas.microsoft.com/office/drawing/2014/main" id="{36FFFBA3-DE3C-FA6F-FD23-0E21F2C28D64}"/>
+              </a:ext>
+            </a:extLst>
+          </p:cNvPr>
+          <p:cNvCxnSpPr>
+            <a:cxnSpLocks/>
+          </p:cNvCxnSpPr>
+          <p:nvPr/>
+        </p:nvCxnSpPr>
+        <p:spPr>
+          <a:xfrm>
+            <a:off x="7267575" y="2705100"/>
+            <a:ext cx="0" cy="2247900"/>
+          </a:xfrm>
+          <a:prstGeom prst="line">
+            <a:avLst/>
+          </a:prstGeom>
+          <a:ln w="28575">
+            <a:solidFill>
+              <a:schemeClr val="bg1">
+                <a:lumMod val="95000"/>
+                <a:lumOff val="5000"/>
+              </a:schemeClr>
+            </a:solidFill>
+            <a:prstDash val="sysDash"/>
+          </a:ln>
+        </p:spPr>
+        <p:style>
+          <a:lnRef idx="1">
+            <a:schemeClr val="accent1"/>
+          </a:lnRef>
+          <a:fillRef idx="0">
+            <a:schemeClr val="accent1"/>
+          </a:fillRef>
+          <a:effectRef idx="0">
+            <a:schemeClr val="accent1"/>
+          </a:effectRef>
+          <a:fontRef idx="minor">
+            <a:schemeClr val="tx1"/>
+          </a:fontRef>
+        </p:style>
+      </p:cxnSp>
+      <p:cxnSp>
+        <p:nvCxnSpPr>
+          <p:cNvPr id="24" name="Connecteur droit 23">
+            <a:extLst>
+              <a:ext uri="{FF2B5EF4-FFF2-40B4-BE49-F238E27FC236}">
+                <a16:creationId xmlns:a16="http://schemas.microsoft.com/office/drawing/2014/main" id="{17412734-1B50-867F-1E9A-369EFB5FDB43}"/>
+              </a:ext>
+            </a:extLst>
+          </p:cNvPr>
+          <p:cNvCxnSpPr>
+            <a:cxnSpLocks/>
+          </p:cNvCxnSpPr>
+          <p:nvPr/>
+        </p:nvCxnSpPr>
+        <p:spPr>
+          <a:xfrm>
+            <a:off x="7943850" y="2705100"/>
+            <a:ext cx="0" cy="2247900"/>
+          </a:xfrm>
+          <a:prstGeom prst="line">
+            <a:avLst/>
+          </a:prstGeom>
+          <a:ln w="28575">
+            <a:solidFill>
+              <a:schemeClr val="bg1">
+                <a:lumMod val="95000"/>
+                <a:lumOff val="5000"/>
+              </a:schemeClr>
+            </a:solidFill>
+            <a:prstDash val="sysDash"/>
+          </a:ln>
+        </p:spPr>
+        <p:style>
+          <a:lnRef idx="1">
+            <a:schemeClr val="accent1"/>
+          </a:lnRef>
+          <a:fillRef idx="0">
+            <a:schemeClr val="accent1"/>
+          </a:fillRef>
+          <a:effectRef idx="0">
+            <a:schemeClr val="accent1"/>
+          </a:effectRef>
+          <a:fontRef idx="minor">
+            <a:schemeClr val="tx1"/>
+          </a:fontRef>
+        </p:style>
+      </p:cxnSp>
+    </p:spTree>
+    <p:extLst>
+      <p:ext uri="{BB962C8B-B14F-4D97-AF65-F5344CB8AC3E}">
+        <p14:creationId xmlns:p14="http://schemas.microsoft.com/office/powerpoint/2010/main" val="1438455874"/>
+      </p:ext>
+    </p:extLst>
+  </p:cSld>
+  <p:clrMapOvr>
+    <a:masterClrMapping/>
+  </p:clrMapOvr>
+  <mc:AlternateContent xmlns:mc="http://schemas.openxmlformats.org/markup-compatibility/2006">
+    <mc:Choice xmlns:p14="http://schemas.microsoft.com/office/powerpoint/2010/main" Requires="p14">
+      <p:transition spd="med" p14:dur="700">
+        <p:fade/>
+      </p:transition>
+    </mc:Choice>
+    <mc:Fallback>
+      <p:transition spd="med">
+        <p:fade/>
+      </p:transition>
+    </mc:Fallback>
+  </mc:AlternateContent>
+</p:sld>
+</file>
+
+<file path=ppt/slides/slide11.xml><?xml version="1.0" encoding="utf-8"?>
+<p:sld xmlns:a="http://schemas.openxmlformats.org/drawingml/2006/main" xmlns:r="http://schemas.openxmlformats.org/officeDocument/2006/relationships" xmlns:p="http://schemas.openxmlformats.org/presentationml/2006/main">
+  <p:cSld>
+    <p:spTree>
+      <p:nvGrpSpPr>
+        <p:cNvPr id="1" name=""/>
+        <p:cNvGrpSpPr/>
+        <p:nvPr/>
+      </p:nvGrpSpPr>
+      <p:grpSpPr>
+        <a:xfrm>
+          <a:off x="0" y="0"/>
+          <a:ext cx="0" cy="0"/>
+          <a:chOff x="0" y="0"/>
+          <a:chExt cx="0" cy="0"/>
+        </a:xfrm>
+      </p:grpSpPr>
+      <p:sp>
+        <p:nvSpPr>
+          <p:cNvPr id="2" name="Titre 1">
+            <a:extLst>
+              <a:ext uri="{FF2B5EF4-FFF2-40B4-BE49-F238E27FC236}">
+                <a16:creationId xmlns:a16="http://schemas.microsoft.com/office/drawing/2014/main" id="{9FD5754E-0FDF-2C55-12AD-697FFCA1162F}"/>
+              </a:ext>
+            </a:extLst>
+          </p:cNvPr>
+          <p:cNvSpPr>
+            <a:spLocks noGrp="1"/>
+          </p:cNvSpPr>
+          <p:nvPr>
+            <p:ph type="title"/>
+          </p:nvPr>
+        </p:nvSpPr>
+        <p:spPr>
+          <a:xfrm>
+            <a:off x="913795" y="609600"/>
+            <a:ext cx="10353762" cy="1261872"/>
+          </a:xfrm>
+        </p:spPr>
+        <p:txBody>
+          <a:bodyPr anchor="ctr">
+            <a:normAutofit/>
+          </a:bodyPr>
+          <a:lstStyle/>
+          <a:p>
+            <a:r>
+              <a:rPr lang="fr-FR" dirty="0"/>
+              <a:t>Les analyses</a:t>
+            </a:r>
+          </a:p>
+        </p:txBody>
+      </p:sp>
+      <p:pic>
+        <p:nvPicPr>
+          <p:cNvPr id="8" name="Image 7" descr="Une image contenant graphique&#10;&#10;Description générée automatiquement">
+            <a:extLst>
+              <a:ext uri="{FF2B5EF4-FFF2-40B4-BE49-F238E27FC236}">
+                <a16:creationId xmlns:a16="http://schemas.microsoft.com/office/drawing/2014/main" id="{91B8FEB4-8BA2-BD27-95D5-0C6490E59373}"/>
+              </a:ext>
+            </a:extLst>
+          </p:cNvPr>
+          <p:cNvPicPr>
+            <a:picLocks noChangeAspect="1"/>
+          </p:cNvPicPr>
+          <p:nvPr/>
+        </p:nvPicPr>
+        <p:blipFill>
+          <a:blip r:embed="rId2">
+            <a:extLst>
+              <a:ext uri="{28A0092B-C50C-407E-A947-70E740481C1C}">
+                <a14:useLocalDpi xmlns:a14="http://schemas.microsoft.com/office/drawing/2010/main" val="0"/>
+              </a:ext>
+            </a:extLst>
+          </a:blip>
+          <a:stretch>
+            <a:fillRect/>
+          </a:stretch>
+        </p:blipFill>
+        <p:spPr>
+          <a:xfrm>
+            <a:off x="176175" y="2423947"/>
+            <a:ext cx="5914501" cy="2927679"/>
+          </a:xfrm>
+          <a:prstGeom prst="rect">
+            <a:avLst/>
+          </a:prstGeom>
+          <a:noFill/>
+        </p:spPr>
+      </p:pic>
+      <p:sp>
+        <p:nvSpPr>
+          <p:cNvPr id="13" name="Content Placeholder 3">
+            <a:extLst>
+              <a:ext uri="{FF2B5EF4-FFF2-40B4-BE49-F238E27FC236}">
+                <a16:creationId xmlns:a16="http://schemas.microsoft.com/office/drawing/2014/main" id="{B5FAB41C-9CB0-B740-F647-DBE9E7E0F822}"/>
+              </a:ext>
+            </a:extLst>
+          </p:cNvPr>
+          <p:cNvSpPr>
+            <a:spLocks noGrp="1"/>
+          </p:cNvSpPr>
+          <p:nvPr>
+            <p:ph sz="half" idx="2"/>
+          </p:nvPr>
+        </p:nvSpPr>
+        <p:spPr>
+          <a:xfrm>
+            <a:off x="6410716" y="2076451"/>
+            <a:ext cx="4856841" cy="3622672"/>
+          </a:xfrm>
+        </p:spPr>
+        <p:txBody>
+          <a:bodyPr>
+            <a:normAutofit fontScale="92500" lnSpcReduction="10000"/>
+          </a:bodyPr>
+          <a:lstStyle/>
+          <a:p>
+            <a:pPr marL="36900" indent="0">
+              <a:buNone/>
+            </a:pPr>
+            <a:r>
+              <a:rPr lang="fr-FR" dirty="0"/>
+              <a:t>Précisions : 0,5</a:t>
+            </a:r>
+            <a:br>
+              <a:rPr lang="fr-FR" dirty="0"/>
+            </a:br>
+            <a:br>
+              <a:rPr lang="fr-FR" dirty="0"/>
+            </a:br>
+            <a:r>
+              <a:rPr lang="fr-FR" dirty="0"/>
+              <a:t>Manque de données surtout pour les CC densément peuplé et intermédiairement peuplé</a:t>
+            </a:r>
+            <a:br>
+              <a:rPr lang="fr-FR" dirty="0"/>
+            </a:br>
+            <a:br>
+              <a:rPr lang="fr-FR" dirty="0"/>
+            </a:br>
+            <a:r>
+              <a:rPr lang="fr-FR" dirty="0"/>
+              <a:t>Un modèle semble quand même se démarquer. </a:t>
+            </a:r>
+          </a:p>
+          <a:p>
+            <a:pPr marL="36900" indent="0">
+              <a:buNone/>
+            </a:pPr>
+            <a:endParaRPr lang="fr-FR" dirty="0"/>
+          </a:p>
+          <a:p>
+            <a:pPr marL="36900" indent="0">
+              <a:buNone/>
+            </a:pPr>
+            <a:r>
+              <a:rPr lang="fr-FR" dirty="0"/>
+              <a:t>Pas d’échec entre deux </a:t>
+            </a:r>
+            <a:r>
+              <a:rPr lang="fr-FR" dirty="0" err="1"/>
+              <a:t>extrèmes</a:t>
+            </a:r>
+            <a:r>
+              <a:rPr lang="fr-FR" dirty="0"/>
+              <a:t> </a:t>
+            </a:r>
+          </a:p>
+        </p:txBody>
+      </p:sp>
+      <p:sp>
+        <p:nvSpPr>
+          <p:cNvPr id="4" name="Espace réservé du numéro de diapositive 3">
+            <a:extLst>
+              <a:ext uri="{FF2B5EF4-FFF2-40B4-BE49-F238E27FC236}">
+                <a16:creationId xmlns:a16="http://schemas.microsoft.com/office/drawing/2014/main" id="{85E24B14-D545-5014-A9C1-3CAC57841C4D}"/>
+              </a:ext>
+            </a:extLst>
+          </p:cNvPr>
+          <p:cNvSpPr>
+            <a:spLocks noGrp="1"/>
+          </p:cNvSpPr>
+          <p:nvPr>
+            <p:ph type="sldNum" sz="quarter" idx="12"/>
+          </p:nvPr>
+        </p:nvSpPr>
+        <p:spPr>
+          <a:xfrm>
+            <a:off x="10514011" y="6000749"/>
+            <a:ext cx="753545" cy="365125"/>
+          </a:xfrm>
+        </p:spPr>
+        <p:txBody>
+          <a:bodyPr anchor="ctr">
+            <a:normAutofit/>
+          </a:bodyPr>
+          <a:lstStyle/>
+          <a:p>
+            <a:pPr rtl="0">
+              <a:spcAft>
+                <a:spcPts val="600"/>
+              </a:spcAft>
+            </a:pPr>
+            <a:fld id="{3A98EE3D-8CD1-4C3F-BD1C-C98C9596463C}" type="slidenum">
+              <a:rPr lang="en-US" smtClean="0"/>
+              <a:pPr rtl="0">
+                <a:spcAft>
+                  <a:spcPts val="600"/>
+                </a:spcAft>
+              </a:pPr>
+              <a:t>11</a:t>
+            </a:fld>
+            <a:endParaRPr lang="en-US"/>
+          </a:p>
+        </p:txBody>
+      </p:sp>
+    </p:spTree>
+    <p:extLst>
+      <p:ext uri="{BB962C8B-B14F-4D97-AF65-F5344CB8AC3E}">
+        <p14:creationId xmlns:p14="http://schemas.microsoft.com/office/powerpoint/2010/main" val="3175974474"/>
+      </p:ext>
+    </p:extLst>
+  </p:cSld>
+  <p:clrMapOvr>
+    <a:masterClrMapping/>
+  </p:clrMapOvr>
+  <mc:AlternateContent xmlns:mc="http://schemas.openxmlformats.org/markup-compatibility/2006">
+    <mc:Choice xmlns:p14="http://schemas.microsoft.com/office/powerpoint/2010/main" Requires="p14">
+      <p:transition spd="med" p14:dur="700">
+        <p:fade/>
+      </p:transition>
+    </mc:Choice>
+    <mc:Fallback>
+      <p:transition spd="med">
+        <p:fade/>
+      </p:transition>
+    </mc:Fallback>
+  </mc:AlternateContent>
+</p:sld>
+</file>
+
+<file path=ppt/slides/slide12.xml><?xml version="1.0" encoding="utf-8"?>
+<p:sld xmlns:a="http://schemas.openxmlformats.org/drawingml/2006/main" xmlns:r="http://schemas.openxmlformats.org/officeDocument/2006/relationships" xmlns:p="http://schemas.openxmlformats.org/presentationml/2006/main">
+  <p:cSld>
+    <p:spTree>
+      <p:nvGrpSpPr>
+        <p:cNvPr id="1" name=""/>
+        <p:cNvGrpSpPr/>
+        <p:nvPr/>
+      </p:nvGrpSpPr>
+      <p:grpSpPr>
+        <a:xfrm>
+          <a:off x="0" y="0"/>
+          <a:ext cx="0" cy="0"/>
+          <a:chOff x="0" y="0"/>
+          <a:chExt cx="0" cy="0"/>
+        </a:xfrm>
+      </p:grpSpPr>
+      <p:sp>
+        <p:nvSpPr>
+          <p:cNvPr id="2" name="Titre 1">
+            <a:extLst>
+              <a:ext uri="{FF2B5EF4-FFF2-40B4-BE49-F238E27FC236}">
+                <a16:creationId xmlns:a16="http://schemas.microsoft.com/office/drawing/2014/main" id="{9FD5754E-0FDF-2C55-12AD-697FFCA1162F}"/>
               </a:ext>
             </a:extLst>
           </p:cNvPr>
@@ -6928,17 +7476,17 @@
           <a:p>
             <a:r>
               <a:rPr lang="fr-FR" dirty="0"/>
-              <a:t>Conclusion</a:t>
+              <a:t>Les analyses</a:t>
             </a:r>
           </a:p>
         </p:txBody>
       </p:sp>
       <p:sp>
         <p:nvSpPr>
-          <p:cNvPr id="3" name="Espace réservé du contenu 2">
+          <p:cNvPr id="4" name="Espace réservé du numéro de diapositive 3">
             <a:extLst>
               <a:ext uri="{FF2B5EF4-FFF2-40B4-BE49-F238E27FC236}">
-                <a16:creationId xmlns:a16="http://schemas.microsoft.com/office/drawing/2014/main" id="{7D90AA98-0DA9-5BD9-8DC5-925CDCB25701}"/>
+                <a16:creationId xmlns:a16="http://schemas.microsoft.com/office/drawing/2014/main" id="{85E24B14-D545-5014-A9C1-3CAC57841C4D}"/>
               </a:ext>
             </a:extLst>
           </p:cNvPr>
@@ -6946,7 +7494,7 @@
             <a:spLocks noGrp="1"/>
           </p:cNvSpPr>
           <p:nvPr>
-            <p:ph idx="1"/>
+            <p:ph type="sldNum" sz="quarter" idx="12"/>
           </p:nvPr>
         </p:nvSpPr>
         <p:spPr/>
@@ -6954,7 +7502,2902 @@
           <a:bodyPr/>
           <a:lstStyle/>
           <a:p>
-            <a:endParaRPr lang="fr-FR"/>
+            <a:pPr rtl="0"/>
+            <a:fld id="{3A98EE3D-8CD1-4C3F-BD1C-C98C9596463C}" type="slidenum">
+              <a:rPr lang="en-US" smtClean="0"/>
+              <a:t>12</a:t>
+            </a:fld>
+            <a:endParaRPr lang="en-US" dirty="0"/>
+          </a:p>
+        </p:txBody>
+      </p:sp>
+      <p:pic>
+        <p:nvPicPr>
+          <p:cNvPr id="16" name="Image 15">
+            <a:extLst>
+              <a:ext uri="{FF2B5EF4-FFF2-40B4-BE49-F238E27FC236}">
+                <a16:creationId xmlns:a16="http://schemas.microsoft.com/office/drawing/2014/main" id="{E796FBED-CA40-B9DC-69DF-5D6675DDBF1D}"/>
+              </a:ext>
+            </a:extLst>
+          </p:cNvPr>
+          <p:cNvPicPr>
+            <a:picLocks noChangeAspect="1"/>
+          </p:cNvPicPr>
+          <p:nvPr/>
+        </p:nvPicPr>
+        <p:blipFill>
+          <a:blip r:embed="rId2"/>
+          <a:stretch>
+            <a:fillRect/>
+          </a:stretch>
+        </p:blipFill>
+        <p:spPr>
+          <a:xfrm>
+            <a:off x="6225151" y="2163723"/>
+            <a:ext cx="5683753" cy="2530547"/>
+          </a:xfrm>
+          <a:prstGeom prst="rect">
+            <a:avLst/>
+          </a:prstGeom>
+        </p:spPr>
+      </p:pic>
+      <p:pic>
+        <p:nvPicPr>
+          <p:cNvPr id="18" name="Image 17">
+            <a:extLst>
+              <a:ext uri="{FF2B5EF4-FFF2-40B4-BE49-F238E27FC236}">
+                <a16:creationId xmlns:a16="http://schemas.microsoft.com/office/drawing/2014/main" id="{5DD0C0F2-BAF8-940C-7E24-5B541193EA64}"/>
+              </a:ext>
+            </a:extLst>
+          </p:cNvPr>
+          <p:cNvPicPr>
+            <a:picLocks noChangeAspect="1"/>
+          </p:cNvPicPr>
+          <p:nvPr/>
+        </p:nvPicPr>
+        <p:blipFill>
+          <a:blip r:embed="rId3"/>
+          <a:stretch>
+            <a:fillRect/>
+          </a:stretch>
+        </p:blipFill>
+        <p:spPr>
+          <a:xfrm>
+            <a:off x="283098" y="2163723"/>
+            <a:ext cx="5683753" cy="2530547"/>
+          </a:xfrm>
+          <a:prstGeom prst="rect">
+            <a:avLst/>
+          </a:prstGeom>
+        </p:spPr>
+      </p:pic>
+      <p:sp>
+        <p:nvSpPr>
+          <p:cNvPr id="19" name="ZoneTexte 18">
+            <a:extLst>
+              <a:ext uri="{FF2B5EF4-FFF2-40B4-BE49-F238E27FC236}">
+                <a16:creationId xmlns:a16="http://schemas.microsoft.com/office/drawing/2014/main" id="{F4F693E1-A2BA-C7C6-EC35-7CADF2016615}"/>
+              </a:ext>
+            </a:extLst>
+          </p:cNvPr>
+          <p:cNvSpPr txBox="1"/>
+          <p:nvPr/>
+        </p:nvSpPr>
+        <p:spPr>
+          <a:xfrm>
+            <a:off x="10877031" y="2233705"/>
+            <a:ext cx="781050" cy="646331"/>
+          </a:xfrm>
+          <a:prstGeom prst="rect">
+            <a:avLst/>
+          </a:prstGeom>
+          <a:noFill/>
+        </p:spPr>
+        <p:txBody>
+          <a:bodyPr wrap="square" rtlCol="0">
+            <a:spAutoFit/>
+          </a:bodyPr>
+          <a:lstStyle/>
+          <a:p>
+            <a:r>
+              <a:rPr lang="fr-FR" dirty="0"/>
+              <a:t>Peu dense </a:t>
+            </a:r>
+          </a:p>
+        </p:txBody>
+      </p:sp>
+      <p:graphicFrame>
+        <p:nvGraphicFramePr>
+          <p:cNvPr id="20" name="Tableau 19">
+            <a:extLst>
+              <a:ext uri="{FF2B5EF4-FFF2-40B4-BE49-F238E27FC236}">
+                <a16:creationId xmlns:a16="http://schemas.microsoft.com/office/drawing/2014/main" id="{8EADB286-1116-F69C-EDB1-7AE274D7BFF3}"/>
+              </a:ext>
+            </a:extLst>
+          </p:cNvPr>
+          <p:cNvGraphicFramePr>
+            <a:graphicFrameLocks noGrp="1"/>
+          </p:cNvGraphicFramePr>
+          <p:nvPr>
+            <p:extLst>
+              <p:ext uri="{D42A27DB-BD31-4B8C-83A1-F6EECF244321}">
+                <p14:modId xmlns:p14="http://schemas.microsoft.com/office/powerpoint/2010/main" val="3356311200"/>
+              </p:ext>
+            </p:extLst>
+          </p:nvPr>
+        </p:nvGraphicFramePr>
+        <p:xfrm>
+          <a:off x="1441150" y="5230811"/>
+          <a:ext cx="9299052" cy="952500"/>
+        </p:xfrm>
+        <a:graphic>
+          <a:graphicData uri="http://schemas.openxmlformats.org/drawingml/2006/table">
+            <a:tbl>
+              <a:tblPr>
+                <a:tableStyleId>{5C22544A-7EE6-4342-B048-85BDC9FD1C3A}</a:tableStyleId>
+              </a:tblPr>
+              <a:tblGrid>
+                <a:gridCol w="2191496">
+                  <a:extLst>
+                    <a:ext uri="{9D8B030D-6E8A-4147-A177-3AD203B41FA5}">
+                      <a16:colId xmlns:a16="http://schemas.microsoft.com/office/drawing/2014/main" val="4090759187"/>
+                    </a:ext>
+                  </a:extLst>
+                </a:gridCol>
+                <a:gridCol w="3553778">
+                  <a:extLst>
+                    <a:ext uri="{9D8B030D-6E8A-4147-A177-3AD203B41FA5}">
+                      <a16:colId xmlns:a16="http://schemas.microsoft.com/office/drawing/2014/main" val="2260094542"/>
+                    </a:ext>
+                  </a:extLst>
+                </a:gridCol>
+                <a:gridCol w="3553778">
+                  <a:extLst>
+                    <a:ext uri="{9D8B030D-6E8A-4147-A177-3AD203B41FA5}">
+                      <a16:colId xmlns:a16="http://schemas.microsoft.com/office/drawing/2014/main" val="1563478095"/>
+                    </a:ext>
+                  </a:extLst>
+                </a:gridCol>
+              </a:tblGrid>
+              <a:tr h="190500">
+                <a:tc>
+                  <a:txBody>
+                    <a:bodyPr/>
+                    <a:lstStyle/>
+                    <a:p>
+                      <a:pPr algn="l" fontAlgn="b"/>
+                      <a:r>
+                        <a:rPr lang="fr-FR" sz="1100" u="none" strike="noStrike" dirty="0">
+                          <a:effectLst/>
+                        </a:rPr>
+                        <a:t>Typologies</a:t>
+                      </a:r>
+                      <a:endParaRPr lang="fr-FR" sz="1100" b="1" i="0" u="none" strike="noStrike" dirty="0">
+                        <a:solidFill>
+                          <a:srgbClr val="000000"/>
+                        </a:solidFill>
+                        <a:effectLst/>
+                        <a:latin typeface="Arial" panose="020B0604020202020204" pitchFamily="34" charset="0"/>
+                      </a:endParaRPr>
+                    </a:p>
+                  </a:txBody>
+                  <a:tcPr marL="9525" marR="9525" marT="9525" marB="0" anchor="b"/>
+                </a:tc>
+                <a:tc>
+                  <a:txBody>
+                    <a:bodyPr/>
+                    <a:lstStyle/>
+                    <a:p>
+                      <a:pPr algn="l" fontAlgn="b"/>
+                      <a:r>
+                        <a:rPr lang="fr-FR" sz="1100" u="none" strike="noStrike" dirty="0">
+                          <a:effectLst/>
+                        </a:rPr>
+                        <a:t>Habitant concerné PAP</a:t>
+                      </a:r>
+                      <a:endParaRPr lang="fr-FR" sz="1100" b="1" i="0" u="none" strike="noStrike" dirty="0">
+                        <a:solidFill>
+                          <a:srgbClr val="000000"/>
+                        </a:solidFill>
+                        <a:effectLst/>
+                        <a:latin typeface="Arial" panose="020B0604020202020204" pitchFamily="34" charset="0"/>
+                      </a:endParaRPr>
+                    </a:p>
+                  </a:txBody>
+                  <a:tcPr marL="9525" marR="9525" marT="9525" marB="0" anchor="b"/>
+                </a:tc>
+                <a:tc>
+                  <a:txBody>
+                    <a:bodyPr/>
+                    <a:lstStyle/>
+                    <a:p>
+                      <a:pPr algn="l" fontAlgn="b"/>
+                      <a:r>
+                        <a:rPr lang="fr-FR" sz="1100" u="none" strike="noStrike" dirty="0">
+                          <a:effectLst/>
+                        </a:rPr>
+                        <a:t>Habitant concerné PAV</a:t>
+                      </a:r>
+                      <a:endParaRPr lang="fr-FR" sz="1100" b="1" i="0" u="none" strike="noStrike" dirty="0">
+                        <a:solidFill>
+                          <a:srgbClr val="000000"/>
+                        </a:solidFill>
+                        <a:effectLst/>
+                        <a:latin typeface="Arial" panose="020B0604020202020204" pitchFamily="34" charset="0"/>
+                      </a:endParaRPr>
+                    </a:p>
+                  </a:txBody>
+                  <a:tcPr marL="9525" marR="9525" marT="9525" marB="0" anchor="b"/>
+                </a:tc>
+                <a:extLst>
+                  <a:ext uri="{0D108BD9-81ED-4DB2-BD59-A6C34878D82A}">
+                    <a16:rowId xmlns:a16="http://schemas.microsoft.com/office/drawing/2014/main" val="4228802134"/>
+                  </a:ext>
+                </a:extLst>
+              </a:tr>
+              <a:tr h="190500">
+                <a:tc>
+                  <a:txBody>
+                    <a:bodyPr/>
+                    <a:lstStyle/>
+                    <a:p>
+                      <a:pPr algn="l" fontAlgn="b"/>
+                      <a:r>
+                        <a:rPr lang="fr-FR" sz="1100" u="none" strike="noStrike">
+                          <a:effectLst/>
+                        </a:rPr>
+                        <a:t>Densément peuplé</a:t>
+                      </a:r>
+                      <a:endParaRPr lang="fr-FR" sz="1100" b="0" i="0" u="none" strike="noStrike">
+                        <a:solidFill>
+                          <a:srgbClr val="000000"/>
+                        </a:solidFill>
+                        <a:effectLst/>
+                        <a:latin typeface="Arial" panose="020B0604020202020204" pitchFamily="34" charset="0"/>
+                      </a:endParaRPr>
+                    </a:p>
+                  </a:txBody>
+                  <a:tcPr marL="9525" marR="9525" marT="9525" marB="0" anchor="b"/>
+                </a:tc>
+                <a:tc>
+                  <a:txBody>
+                    <a:bodyPr/>
+                    <a:lstStyle/>
+                    <a:p>
+                      <a:pPr algn="r" fontAlgn="b"/>
+                      <a:r>
+                        <a:rPr lang="fr-FR" sz="1100" u="none" strike="noStrike" dirty="0">
+                          <a:effectLst/>
+                        </a:rPr>
+                        <a:t>33%</a:t>
+                      </a:r>
+                      <a:endParaRPr lang="fr-FR" sz="1100" b="0" i="0" u="none" strike="noStrike" dirty="0">
+                        <a:solidFill>
+                          <a:srgbClr val="000000"/>
+                        </a:solidFill>
+                        <a:effectLst/>
+                        <a:latin typeface="Arial" panose="020B0604020202020204" pitchFamily="34" charset="0"/>
+                      </a:endParaRPr>
+                    </a:p>
+                  </a:txBody>
+                  <a:tcPr marL="9525" marR="9525" marT="9525" marB="0" anchor="b"/>
+                </a:tc>
+                <a:tc>
+                  <a:txBody>
+                    <a:bodyPr/>
+                    <a:lstStyle/>
+                    <a:p>
+                      <a:pPr algn="r" fontAlgn="b"/>
+                      <a:r>
+                        <a:rPr lang="fr-FR" sz="1100" u="none" strike="noStrike">
+                          <a:effectLst/>
+                        </a:rPr>
+                        <a:t>67%</a:t>
+                      </a:r>
+                      <a:endParaRPr lang="fr-FR" sz="1100" b="0" i="0" u="none" strike="noStrike">
+                        <a:solidFill>
+                          <a:srgbClr val="000000"/>
+                        </a:solidFill>
+                        <a:effectLst/>
+                        <a:latin typeface="Arial" panose="020B0604020202020204" pitchFamily="34" charset="0"/>
+                      </a:endParaRPr>
+                    </a:p>
+                  </a:txBody>
+                  <a:tcPr marL="9525" marR="9525" marT="9525" marB="0" anchor="b"/>
+                </a:tc>
+                <a:extLst>
+                  <a:ext uri="{0D108BD9-81ED-4DB2-BD59-A6C34878D82A}">
+                    <a16:rowId xmlns:a16="http://schemas.microsoft.com/office/drawing/2014/main" val="3728413291"/>
+                  </a:ext>
+                </a:extLst>
+              </a:tr>
+              <a:tr h="190500">
+                <a:tc>
+                  <a:txBody>
+                    <a:bodyPr/>
+                    <a:lstStyle/>
+                    <a:p>
+                      <a:pPr algn="l" fontAlgn="b"/>
+                      <a:r>
+                        <a:rPr lang="fr-FR" sz="1100" u="none" strike="noStrike">
+                          <a:effectLst/>
+                        </a:rPr>
+                        <a:t>Densité intermédiaire</a:t>
+                      </a:r>
+                      <a:endParaRPr lang="fr-FR" sz="1100" b="0" i="0" u="none" strike="noStrike">
+                        <a:solidFill>
+                          <a:srgbClr val="000000"/>
+                        </a:solidFill>
+                        <a:effectLst/>
+                        <a:latin typeface="Arial" panose="020B0604020202020204" pitchFamily="34" charset="0"/>
+                      </a:endParaRPr>
+                    </a:p>
+                  </a:txBody>
+                  <a:tcPr marL="9525" marR="9525" marT="9525" marB="0" anchor="b"/>
+                </a:tc>
+                <a:tc>
+                  <a:txBody>
+                    <a:bodyPr/>
+                    <a:lstStyle/>
+                    <a:p>
+                      <a:pPr algn="r" fontAlgn="b"/>
+                      <a:r>
+                        <a:rPr lang="fr-FR" sz="1100" u="none" strike="noStrike">
+                          <a:effectLst/>
+                        </a:rPr>
+                        <a:t>43%</a:t>
+                      </a:r>
+                      <a:endParaRPr lang="fr-FR" sz="1100" b="0" i="0" u="none" strike="noStrike">
+                        <a:solidFill>
+                          <a:srgbClr val="000000"/>
+                        </a:solidFill>
+                        <a:effectLst/>
+                        <a:latin typeface="Arial" panose="020B0604020202020204" pitchFamily="34" charset="0"/>
+                      </a:endParaRPr>
+                    </a:p>
+                  </a:txBody>
+                  <a:tcPr marL="9525" marR="9525" marT="9525" marB="0" anchor="b"/>
+                </a:tc>
+                <a:tc>
+                  <a:txBody>
+                    <a:bodyPr/>
+                    <a:lstStyle/>
+                    <a:p>
+                      <a:pPr algn="r" fontAlgn="b"/>
+                      <a:r>
+                        <a:rPr lang="fr-FR" sz="1100" u="none" strike="noStrike">
+                          <a:effectLst/>
+                        </a:rPr>
+                        <a:t>36%</a:t>
+                      </a:r>
+                      <a:endParaRPr lang="fr-FR" sz="1100" b="0" i="0" u="none" strike="noStrike">
+                        <a:solidFill>
+                          <a:srgbClr val="000000"/>
+                        </a:solidFill>
+                        <a:effectLst/>
+                        <a:latin typeface="Arial" panose="020B0604020202020204" pitchFamily="34" charset="0"/>
+                      </a:endParaRPr>
+                    </a:p>
+                  </a:txBody>
+                  <a:tcPr marL="9525" marR="9525" marT="9525" marB="0" anchor="b"/>
+                </a:tc>
+                <a:extLst>
+                  <a:ext uri="{0D108BD9-81ED-4DB2-BD59-A6C34878D82A}">
+                    <a16:rowId xmlns:a16="http://schemas.microsoft.com/office/drawing/2014/main" val="1400987472"/>
+                  </a:ext>
+                </a:extLst>
+              </a:tr>
+              <a:tr h="190500">
+                <a:tc>
+                  <a:txBody>
+                    <a:bodyPr/>
+                    <a:lstStyle/>
+                    <a:p>
+                      <a:pPr algn="l" fontAlgn="b"/>
+                      <a:r>
+                        <a:rPr lang="fr-FR" sz="1100" u="none" strike="noStrike">
+                          <a:effectLst/>
+                        </a:rPr>
+                        <a:t>Peu dense</a:t>
+                      </a:r>
+                      <a:endParaRPr lang="fr-FR" sz="1100" b="0" i="0" u="none" strike="noStrike">
+                        <a:solidFill>
+                          <a:srgbClr val="000000"/>
+                        </a:solidFill>
+                        <a:effectLst/>
+                        <a:latin typeface="Arial" panose="020B0604020202020204" pitchFamily="34" charset="0"/>
+                      </a:endParaRPr>
+                    </a:p>
+                  </a:txBody>
+                  <a:tcPr marL="9525" marR="9525" marT="9525" marB="0" anchor="b"/>
+                </a:tc>
+                <a:tc>
+                  <a:txBody>
+                    <a:bodyPr/>
+                    <a:lstStyle/>
+                    <a:p>
+                      <a:pPr algn="r" fontAlgn="b"/>
+                      <a:r>
+                        <a:rPr lang="fr-FR" sz="1100" u="none" strike="noStrike">
+                          <a:effectLst/>
+                        </a:rPr>
+                        <a:t>86%</a:t>
+                      </a:r>
+                      <a:endParaRPr lang="fr-FR" sz="1100" b="0" i="0" u="none" strike="noStrike">
+                        <a:solidFill>
+                          <a:srgbClr val="000000"/>
+                        </a:solidFill>
+                        <a:effectLst/>
+                        <a:latin typeface="Arial" panose="020B0604020202020204" pitchFamily="34" charset="0"/>
+                      </a:endParaRPr>
+                    </a:p>
+                  </a:txBody>
+                  <a:tcPr marL="9525" marR="9525" marT="9525" marB="0" anchor="b"/>
+                </a:tc>
+                <a:tc>
+                  <a:txBody>
+                    <a:bodyPr/>
+                    <a:lstStyle/>
+                    <a:p>
+                      <a:pPr algn="r" fontAlgn="b"/>
+                      <a:r>
+                        <a:rPr lang="fr-FR" sz="1100" u="none" strike="noStrike">
+                          <a:effectLst/>
+                        </a:rPr>
+                        <a:t>26%</a:t>
+                      </a:r>
+                      <a:endParaRPr lang="fr-FR" sz="1100" b="0" i="0" u="none" strike="noStrike">
+                        <a:solidFill>
+                          <a:srgbClr val="000000"/>
+                        </a:solidFill>
+                        <a:effectLst/>
+                        <a:latin typeface="Arial" panose="020B0604020202020204" pitchFamily="34" charset="0"/>
+                      </a:endParaRPr>
+                    </a:p>
+                  </a:txBody>
+                  <a:tcPr marL="9525" marR="9525" marT="9525" marB="0" anchor="b"/>
+                </a:tc>
+                <a:extLst>
+                  <a:ext uri="{0D108BD9-81ED-4DB2-BD59-A6C34878D82A}">
+                    <a16:rowId xmlns:a16="http://schemas.microsoft.com/office/drawing/2014/main" val="105907920"/>
+                  </a:ext>
+                </a:extLst>
+              </a:tr>
+              <a:tr h="190500">
+                <a:tc>
+                  <a:txBody>
+                    <a:bodyPr/>
+                    <a:lstStyle/>
+                    <a:p>
+                      <a:pPr algn="l" fontAlgn="b"/>
+                      <a:r>
+                        <a:rPr lang="fr-FR" sz="1100" u="none" strike="noStrike">
+                          <a:effectLst/>
+                        </a:rPr>
+                        <a:t>Total général</a:t>
+                      </a:r>
+                      <a:endParaRPr lang="fr-FR" sz="1100" b="1" i="0" u="none" strike="noStrike">
+                        <a:solidFill>
+                          <a:srgbClr val="000000"/>
+                        </a:solidFill>
+                        <a:effectLst/>
+                        <a:latin typeface="Arial" panose="020B0604020202020204" pitchFamily="34" charset="0"/>
+                      </a:endParaRPr>
+                    </a:p>
+                  </a:txBody>
+                  <a:tcPr marL="9525" marR="9525" marT="9525" marB="0" anchor="b"/>
+                </a:tc>
+                <a:tc>
+                  <a:txBody>
+                    <a:bodyPr/>
+                    <a:lstStyle/>
+                    <a:p>
+                      <a:pPr algn="r" fontAlgn="b"/>
+                      <a:r>
+                        <a:rPr lang="fr-FR" sz="1100" u="none" strike="noStrike">
+                          <a:effectLst/>
+                        </a:rPr>
+                        <a:t>61%</a:t>
+                      </a:r>
+                      <a:endParaRPr lang="fr-FR" sz="1100" b="1" i="0" u="none" strike="noStrike">
+                        <a:solidFill>
+                          <a:srgbClr val="000000"/>
+                        </a:solidFill>
+                        <a:effectLst/>
+                        <a:latin typeface="Arial" panose="020B0604020202020204" pitchFamily="34" charset="0"/>
+                      </a:endParaRPr>
+                    </a:p>
+                  </a:txBody>
+                  <a:tcPr marL="9525" marR="9525" marT="9525" marB="0" anchor="b"/>
+                </a:tc>
+                <a:tc>
+                  <a:txBody>
+                    <a:bodyPr/>
+                    <a:lstStyle/>
+                    <a:p>
+                      <a:pPr algn="r" fontAlgn="b"/>
+                      <a:r>
+                        <a:rPr lang="fr-FR" sz="1100" u="none" strike="noStrike" dirty="0">
+                          <a:effectLst/>
+                        </a:rPr>
+                        <a:t>37%</a:t>
+                      </a:r>
+                      <a:endParaRPr lang="fr-FR" sz="1100" b="1" i="0" u="none" strike="noStrike" dirty="0">
+                        <a:solidFill>
+                          <a:srgbClr val="000000"/>
+                        </a:solidFill>
+                        <a:effectLst/>
+                        <a:latin typeface="Arial" panose="020B0604020202020204" pitchFamily="34" charset="0"/>
+                      </a:endParaRPr>
+                    </a:p>
+                  </a:txBody>
+                  <a:tcPr marL="9525" marR="9525" marT="9525" marB="0" anchor="b"/>
+                </a:tc>
+                <a:extLst>
+                  <a:ext uri="{0D108BD9-81ED-4DB2-BD59-A6C34878D82A}">
+                    <a16:rowId xmlns:a16="http://schemas.microsoft.com/office/drawing/2014/main" val="2245915956"/>
+                  </a:ext>
+                </a:extLst>
+              </a:tr>
+            </a:tbl>
+          </a:graphicData>
+        </a:graphic>
+      </p:graphicFrame>
+    </p:spTree>
+    <p:extLst>
+      <p:ext uri="{BB962C8B-B14F-4D97-AF65-F5344CB8AC3E}">
+        <p14:creationId xmlns:p14="http://schemas.microsoft.com/office/powerpoint/2010/main" val="815517805"/>
+      </p:ext>
+    </p:extLst>
+  </p:cSld>
+  <p:clrMapOvr>
+    <a:masterClrMapping/>
+  </p:clrMapOvr>
+  <mc:AlternateContent xmlns:mc="http://schemas.openxmlformats.org/markup-compatibility/2006">
+    <mc:Choice xmlns:p14="http://schemas.microsoft.com/office/powerpoint/2010/main" Requires="p14">
+      <p:transition spd="med" p14:dur="700">
+        <p:fade/>
+      </p:transition>
+    </mc:Choice>
+    <mc:Fallback>
+      <p:transition spd="med">
+        <p:fade/>
+      </p:transition>
+    </mc:Fallback>
+  </mc:AlternateContent>
+</p:sld>
+</file>
+
+<file path=ppt/slides/slide13.xml><?xml version="1.0" encoding="utf-8"?>
+<p:sld xmlns:a="http://schemas.openxmlformats.org/drawingml/2006/main" xmlns:r="http://schemas.openxmlformats.org/officeDocument/2006/relationships" xmlns:p="http://schemas.openxmlformats.org/presentationml/2006/main">
+  <p:cSld>
+    <p:spTree>
+      <p:nvGrpSpPr>
+        <p:cNvPr id="1" name=""/>
+        <p:cNvGrpSpPr/>
+        <p:nvPr/>
+      </p:nvGrpSpPr>
+      <p:grpSpPr>
+        <a:xfrm>
+          <a:off x="0" y="0"/>
+          <a:ext cx="0" cy="0"/>
+          <a:chOff x="0" y="0"/>
+          <a:chExt cx="0" cy="0"/>
+        </a:xfrm>
+      </p:grpSpPr>
+      <p:sp>
+        <p:nvSpPr>
+          <p:cNvPr id="2" name="Titre 1">
+            <a:extLst>
+              <a:ext uri="{FF2B5EF4-FFF2-40B4-BE49-F238E27FC236}">
+                <a16:creationId xmlns:a16="http://schemas.microsoft.com/office/drawing/2014/main" id="{9FD5754E-0FDF-2C55-12AD-697FFCA1162F}"/>
+              </a:ext>
+            </a:extLst>
+          </p:cNvPr>
+          <p:cNvSpPr>
+            <a:spLocks noGrp="1"/>
+          </p:cNvSpPr>
+          <p:nvPr>
+            <p:ph type="title"/>
+          </p:nvPr>
+        </p:nvSpPr>
+        <p:spPr/>
+        <p:txBody>
+          <a:bodyPr/>
+          <a:lstStyle/>
+          <a:p>
+            <a:r>
+              <a:rPr lang="fr-FR" dirty="0"/>
+              <a:t>Les analyses</a:t>
+            </a:r>
+          </a:p>
+        </p:txBody>
+      </p:sp>
+      <p:sp>
+        <p:nvSpPr>
+          <p:cNvPr id="4" name="Espace réservé du numéro de diapositive 3">
+            <a:extLst>
+              <a:ext uri="{FF2B5EF4-FFF2-40B4-BE49-F238E27FC236}">
+                <a16:creationId xmlns:a16="http://schemas.microsoft.com/office/drawing/2014/main" id="{85E24B14-D545-5014-A9C1-3CAC57841C4D}"/>
+              </a:ext>
+            </a:extLst>
+          </p:cNvPr>
+          <p:cNvSpPr>
+            <a:spLocks noGrp="1"/>
+          </p:cNvSpPr>
+          <p:nvPr>
+            <p:ph type="sldNum" sz="quarter" idx="12"/>
+          </p:nvPr>
+        </p:nvSpPr>
+        <p:spPr/>
+        <p:txBody>
+          <a:bodyPr/>
+          <a:lstStyle/>
+          <a:p>
+            <a:pPr rtl="0"/>
+            <a:fld id="{3A98EE3D-8CD1-4C3F-BD1C-C98C9596463C}" type="slidenum">
+              <a:rPr lang="en-US" smtClean="0"/>
+              <a:t>13</a:t>
+            </a:fld>
+            <a:endParaRPr lang="en-US" dirty="0"/>
+          </a:p>
+        </p:txBody>
+      </p:sp>
+      <p:pic>
+        <p:nvPicPr>
+          <p:cNvPr id="5" name="Image 4">
+            <a:extLst>
+              <a:ext uri="{FF2B5EF4-FFF2-40B4-BE49-F238E27FC236}">
+                <a16:creationId xmlns:a16="http://schemas.microsoft.com/office/drawing/2014/main" id="{D51C8165-24C1-4C09-AF64-1C4A250AA5C5}"/>
+              </a:ext>
+            </a:extLst>
+          </p:cNvPr>
+          <p:cNvPicPr>
+            <a:picLocks noChangeAspect="1"/>
+          </p:cNvPicPr>
+          <p:nvPr/>
+        </p:nvPicPr>
+        <p:blipFill>
+          <a:blip r:embed="rId2"/>
+          <a:stretch>
+            <a:fillRect/>
+          </a:stretch>
+        </p:blipFill>
+        <p:spPr>
+          <a:xfrm>
+            <a:off x="913795" y="1865164"/>
+            <a:ext cx="4664866" cy="2787595"/>
+          </a:xfrm>
+          <a:prstGeom prst="rect">
+            <a:avLst/>
+          </a:prstGeom>
+        </p:spPr>
+      </p:pic>
+      <p:pic>
+        <p:nvPicPr>
+          <p:cNvPr id="7" name="Image 6">
+            <a:extLst>
+              <a:ext uri="{FF2B5EF4-FFF2-40B4-BE49-F238E27FC236}">
+                <a16:creationId xmlns:a16="http://schemas.microsoft.com/office/drawing/2014/main" id="{5139B98C-C64E-C588-513C-D0CBF6DC9AFB}"/>
+              </a:ext>
+            </a:extLst>
+          </p:cNvPr>
+          <p:cNvPicPr>
+            <a:picLocks noChangeAspect="1"/>
+          </p:cNvPicPr>
+          <p:nvPr/>
+        </p:nvPicPr>
+        <p:blipFill>
+          <a:blip r:embed="rId3"/>
+          <a:stretch>
+            <a:fillRect/>
+          </a:stretch>
+        </p:blipFill>
+        <p:spPr>
+          <a:xfrm>
+            <a:off x="6492098" y="1865164"/>
+            <a:ext cx="4664866" cy="2787595"/>
+          </a:xfrm>
+          <a:prstGeom prst="rect">
+            <a:avLst/>
+          </a:prstGeom>
+        </p:spPr>
+      </p:pic>
+      <p:sp>
+        <p:nvSpPr>
+          <p:cNvPr id="8" name="ZoneTexte 7">
+            <a:extLst>
+              <a:ext uri="{FF2B5EF4-FFF2-40B4-BE49-F238E27FC236}">
+                <a16:creationId xmlns:a16="http://schemas.microsoft.com/office/drawing/2014/main" id="{DD5A3661-62EF-B96E-F487-8926A9AFF7BB}"/>
+              </a:ext>
+            </a:extLst>
+          </p:cNvPr>
+          <p:cNvSpPr txBox="1"/>
+          <p:nvPr/>
+        </p:nvSpPr>
+        <p:spPr>
+          <a:xfrm>
+            <a:off x="10229331" y="4369465"/>
+            <a:ext cx="1428750" cy="276999"/>
+          </a:xfrm>
+          <a:prstGeom prst="rect">
+            <a:avLst/>
+          </a:prstGeom>
+          <a:noFill/>
+        </p:spPr>
+        <p:txBody>
+          <a:bodyPr wrap="square" rtlCol="0">
+            <a:spAutoFit/>
+          </a:bodyPr>
+          <a:lstStyle/>
+          <a:p>
+            <a:r>
+              <a:rPr lang="fr-FR" sz="1200" dirty="0"/>
+              <a:t>Peu peuplé</a:t>
+            </a:r>
+          </a:p>
+        </p:txBody>
+      </p:sp>
+      <p:graphicFrame>
+        <p:nvGraphicFramePr>
+          <p:cNvPr id="9" name="Tableau 8">
+            <a:extLst>
+              <a:ext uri="{FF2B5EF4-FFF2-40B4-BE49-F238E27FC236}">
+                <a16:creationId xmlns:a16="http://schemas.microsoft.com/office/drawing/2014/main" id="{6A6C0B28-62FD-5A03-A389-74FE8E9457E9}"/>
+              </a:ext>
+            </a:extLst>
+          </p:cNvPr>
+          <p:cNvGraphicFramePr>
+            <a:graphicFrameLocks noGrp="1"/>
+          </p:cNvGraphicFramePr>
+          <p:nvPr>
+            <p:extLst>
+              <p:ext uri="{D42A27DB-BD31-4B8C-83A1-F6EECF244321}">
+                <p14:modId xmlns:p14="http://schemas.microsoft.com/office/powerpoint/2010/main" val="464160949"/>
+              </p:ext>
+            </p:extLst>
+          </p:nvPr>
+        </p:nvGraphicFramePr>
+        <p:xfrm>
+          <a:off x="2114550" y="5438775"/>
+          <a:ext cx="7962901" cy="885825"/>
+        </p:xfrm>
+        <a:graphic>
+          <a:graphicData uri="http://schemas.openxmlformats.org/drawingml/2006/table">
+            <a:tbl>
+              <a:tblPr>
+                <a:tableStyleId>{5C22544A-7EE6-4342-B048-85BDC9FD1C3A}</a:tableStyleId>
+              </a:tblPr>
+              <a:tblGrid>
+                <a:gridCol w="1679586">
+                  <a:extLst>
+                    <a:ext uri="{9D8B030D-6E8A-4147-A177-3AD203B41FA5}">
+                      <a16:colId xmlns:a16="http://schemas.microsoft.com/office/drawing/2014/main" val="2134106963"/>
+                    </a:ext>
+                  </a:extLst>
+                </a:gridCol>
+                <a:gridCol w="2042740">
+                  <a:extLst>
+                    <a:ext uri="{9D8B030D-6E8A-4147-A177-3AD203B41FA5}">
+                      <a16:colId xmlns:a16="http://schemas.microsoft.com/office/drawing/2014/main" val="1584582698"/>
+                    </a:ext>
+                  </a:extLst>
+                </a:gridCol>
+                <a:gridCol w="2122179">
+                  <a:extLst>
+                    <a:ext uri="{9D8B030D-6E8A-4147-A177-3AD203B41FA5}">
+                      <a16:colId xmlns:a16="http://schemas.microsoft.com/office/drawing/2014/main" val="2079487080"/>
+                    </a:ext>
+                  </a:extLst>
+                </a:gridCol>
+                <a:gridCol w="2118396">
+                  <a:extLst>
+                    <a:ext uri="{9D8B030D-6E8A-4147-A177-3AD203B41FA5}">
+                      <a16:colId xmlns:a16="http://schemas.microsoft.com/office/drawing/2014/main" val="2343556073"/>
+                    </a:ext>
+                  </a:extLst>
+                </a:gridCol>
+              </a:tblGrid>
+              <a:tr h="161925">
+                <a:tc>
+                  <a:txBody>
+                    <a:bodyPr/>
+                    <a:lstStyle/>
+                    <a:p>
+                      <a:pPr algn="l" fontAlgn="b"/>
+                      <a:r>
+                        <a:rPr lang="fr-FR" sz="1100" b="0" i="0" u="none" strike="noStrike" dirty="0">
+                          <a:solidFill>
+                            <a:srgbClr val="000000"/>
+                          </a:solidFill>
+                          <a:effectLst/>
+                          <a:latin typeface="Arial" panose="020B0604020202020204" pitchFamily="34" charset="0"/>
+                        </a:rPr>
+                        <a:t>Typologies</a:t>
+                      </a:r>
+                    </a:p>
+                  </a:txBody>
+                  <a:tcPr marL="9525" marR="9525" marT="9525" marB="0" anchor="b"/>
+                </a:tc>
+                <a:tc>
+                  <a:txBody>
+                    <a:bodyPr/>
+                    <a:lstStyle/>
+                    <a:p>
+                      <a:pPr algn="l" fontAlgn="b"/>
+                      <a:r>
+                        <a:rPr lang="fr-FR" sz="1100" u="none" strike="noStrike" dirty="0">
+                          <a:effectLst/>
+                        </a:rPr>
+                        <a:t>OMR</a:t>
+                      </a:r>
+                      <a:endParaRPr lang="fr-FR" sz="1100" b="1" i="0" u="none" strike="noStrike" dirty="0">
+                        <a:solidFill>
+                          <a:srgbClr val="000000"/>
+                        </a:solidFill>
+                        <a:effectLst/>
+                        <a:latin typeface="Arial" panose="020B0604020202020204" pitchFamily="34" charset="0"/>
+                      </a:endParaRPr>
+                    </a:p>
+                  </a:txBody>
+                  <a:tcPr marL="9525" marR="9525" marT="9525" marB="0" anchor="b"/>
+                </a:tc>
+                <a:tc>
+                  <a:txBody>
+                    <a:bodyPr/>
+                    <a:lstStyle/>
+                    <a:p>
+                      <a:pPr algn="l" fontAlgn="b"/>
+                      <a:r>
+                        <a:rPr lang="fr-FR" sz="1100" u="none" strike="noStrike" dirty="0">
+                          <a:effectLst/>
+                        </a:rPr>
+                        <a:t>Emballages</a:t>
+                      </a:r>
+                      <a:endParaRPr lang="fr-FR" sz="1100" b="1" i="0" u="none" strike="noStrike" dirty="0">
+                        <a:solidFill>
+                          <a:srgbClr val="000000"/>
+                        </a:solidFill>
+                        <a:effectLst/>
+                        <a:latin typeface="Arial" panose="020B0604020202020204" pitchFamily="34" charset="0"/>
+                      </a:endParaRPr>
+                    </a:p>
+                  </a:txBody>
+                  <a:tcPr marL="9525" marR="9525" marT="9525" marB="0" anchor="b"/>
+                </a:tc>
+                <a:tc>
+                  <a:txBody>
+                    <a:bodyPr/>
+                    <a:lstStyle/>
+                    <a:p>
+                      <a:pPr algn="l" fontAlgn="b"/>
+                      <a:r>
+                        <a:rPr lang="fr-FR" sz="1100" u="none" strike="noStrike" dirty="0">
+                          <a:effectLst/>
+                        </a:rPr>
+                        <a:t>Verres</a:t>
+                      </a:r>
+                      <a:endParaRPr lang="fr-FR" sz="1100" b="1" i="0" u="none" strike="noStrike" dirty="0">
+                        <a:solidFill>
+                          <a:srgbClr val="000000"/>
+                        </a:solidFill>
+                        <a:effectLst/>
+                        <a:latin typeface="Arial" panose="020B0604020202020204" pitchFamily="34" charset="0"/>
+                      </a:endParaRPr>
+                    </a:p>
+                  </a:txBody>
+                  <a:tcPr marL="9525" marR="9525" marT="9525" marB="0" anchor="b"/>
+                </a:tc>
+                <a:extLst>
+                  <a:ext uri="{0D108BD9-81ED-4DB2-BD59-A6C34878D82A}">
+                    <a16:rowId xmlns:a16="http://schemas.microsoft.com/office/drawing/2014/main" val="852348332"/>
+                  </a:ext>
+                </a:extLst>
+              </a:tr>
+              <a:tr h="161925">
+                <a:tc>
+                  <a:txBody>
+                    <a:bodyPr/>
+                    <a:lstStyle/>
+                    <a:p>
+                      <a:pPr algn="l" fontAlgn="b"/>
+                      <a:r>
+                        <a:rPr lang="fr-FR" sz="1100" u="none" strike="noStrike">
+                          <a:effectLst/>
+                        </a:rPr>
+                        <a:t>Densément peuplé</a:t>
+                      </a:r>
+                      <a:endParaRPr lang="fr-FR" sz="1100" b="0" i="0" u="none" strike="noStrike">
+                        <a:solidFill>
+                          <a:srgbClr val="000000"/>
+                        </a:solidFill>
+                        <a:effectLst/>
+                        <a:latin typeface="Arial" panose="020B0604020202020204" pitchFamily="34" charset="0"/>
+                      </a:endParaRPr>
+                    </a:p>
+                  </a:txBody>
+                  <a:tcPr marL="9525" marR="9525" marT="9525" marB="0" anchor="b"/>
+                </a:tc>
+                <a:tc>
+                  <a:txBody>
+                    <a:bodyPr/>
+                    <a:lstStyle/>
+                    <a:p>
+                      <a:pPr algn="r" fontAlgn="b"/>
+                      <a:r>
+                        <a:rPr lang="fr-FR" sz="1100" u="none" strike="noStrike">
+                          <a:effectLst/>
+                        </a:rPr>
+                        <a:t>76%</a:t>
+                      </a:r>
+                      <a:endParaRPr lang="fr-FR" sz="1100" b="0" i="0" u="none" strike="noStrike">
+                        <a:solidFill>
+                          <a:srgbClr val="000000"/>
+                        </a:solidFill>
+                        <a:effectLst/>
+                        <a:latin typeface="Arial" panose="020B0604020202020204" pitchFamily="34" charset="0"/>
+                      </a:endParaRPr>
+                    </a:p>
+                  </a:txBody>
+                  <a:tcPr marL="9525" marR="9525" marT="9525" marB="0" anchor="b"/>
+                </a:tc>
+                <a:tc>
+                  <a:txBody>
+                    <a:bodyPr/>
+                    <a:lstStyle/>
+                    <a:p>
+                      <a:pPr algn="r" fontAlgn="b"/>
+                      <a:r>
+                        <a:rPr lang="fr-FR" sz="1100" u="none" strike="noStrike">
+                          <a:effectLst/>
+                        </a:rPr>
+                        <a:t>16%</a:t>
+                      </a:r>
+                      <a:endParaRPr lang="fr-FR" sz="1100" b="0" i="0" u="none" strike="noStrike">
+                        <a:solidFill>
+                          <a:srgbClr val="000000"/>
+                        </a:solidFill>
+                        <a:effectLst/>
+                        <a:latin typeface="Arial" panose="020B0604020202020204" pitchFamily="34" charset="0"/>
+                      </a:endParaRPr>
+                    </a:p>
+                  </a:txBody>
+                  <a:tcPr marL="9525" marR="9525" marT="9525" marB="0" anchor="b"/>
+                </a:tc>
+                <a:tc>
+                  <a:txBody>
+                    <a:bodyPr/>
+                    <a:lstStyle/>
+                    <a:p>
+                      <a:pPr algn="r" fontAlgn="b"/>
+                      <a:r>
+                        <a:rPr lang="fr-FR" sz="1100" u="none" strike="noStrike">
+                          <a:effectLst/>
+                        </a:rPr>
+                        <a:t>9%</a:t>
+                      </a:r>
+                      <a:endParaRPr lang="fr-FR" sz="1100" b="0" i="0" u="none" strike="noStrike">
+                        <a:solidFill>
+                          <a:srgbClr val="000000"/>
+                        </a:solidFill>
+                        <a:effectLst/>
+                        <a:latin typeface="Arial" panose="020B0604020202020204" pitchFamily="34" charset="0"/>
+                      </a:endParaRPr>
+                    </a:p>
+                  </a:txBody>
+                  <a:tcPr marL="9525" marR="9525" marT="9525" marB="0" anchor="b"/>
+                </a:tc>
+                <a:extLst>
+                  <a:ext uri="{0D108BD9-81ED-4DB2-BD59-A6C34878D82A}">
+                    <a16:rowId xmlns:a16="http://schemas.microsoft.com/office/drawing/2014/main" val="2784566320"/>
+                  </a:ext>
+                </a:extLst>
+              </a:tr>
+              <a:tr h="161925">
+                <a:tc>
+                  <a:txBody>
+                    <a:bodyPr/>
+                    <a:lstStyle/>
+                    <a:p>
+                      <a:pPr algn="l" fontAlgn="b"/>
+                      <a:r>
+                        <a:rPr lang="fr-FR" sz="1100" u="none" strike="noStrike">
+                          <a:effectLst/>
+                        </a:rPr>
+                        <a:t>Densité intermédiaire</a:t>
+                      </a:r>
+                      <a:endParaRPr lang="fr-FR" sz="1100" b="0" i="0" u="none" strike="noStrike">
+                        <a:solidFill>
+                          <a:srgbClr val="000000"/>
+                        </a:solidFill>
+                        <a:effectLst/>
+                        <a:latin typeface="Arial" panose="020B0604020202020204" pitchFamily="34" charset="0"/>
+                      </a:endParaRPr>
+                    </a:p>
+                  </a:txBody>
+                  <a:tcPr marL="9525" marR="9525" marT="9525" marB="0" anchor="b"/>
+                </a:tc>
+                <a:tc>
+                  <a:txBody>
+                    <a:bodyPr/>
+                    <a:lstStyle/>
+                    <a:p>
+                      <a:pPr algn="r" fontAlgn="b"/>
+                      <a:r>
+                        <a:rPr lang="fr-FR" sz="1100" u="none" strike="noStrike">
+                          <a:effectLst/>
+                        </a:rPr>
+                        <a:t>64%</a:t>
+                      </a:r>
+                      <a:endParaRPr lang="fr-FR" sz="1100" b="0" i="0" u="none" strike="noStrike">
+                        <a:solidFill>
+                          <a:srgbClr val="000000"/>
+                        </a:solidFill>
+                        <a:effectLst/>
+                        <a:latin typeface="Arial" panose="020B0604020202020204" pitchFamily="34" charset="0"/>
+                      </a:endParaRPr>
+                    </a:p>
+                  </a:txBody>
+                  <a:tcPr marL="9525" marR="9525" marT="9525" marB="0" anchor="b"/>
+                </a:tc>
+                <a:tc>
+                  <a:txBody>
+                    <a:bodyPr/>
+                    <a:lstStyle/>
+                    <a:p>
+                      <a:pPr algn="r" fontAlgn="b"/>
+                      <a:r>
+                        <a:rPr lang="fr-FR" sz="1100" u="none" strike="noStrike">
+                          <a:effectLst/>
+                        </a:rPr>
+                        <a:t>20%</a:t>
+                      </a:r>
+                      <a:endParaRPr lang="fr-FR" sz="1100" b="0" i="0" u="none" strike="noStrike">
+                        <a:solidFill>
+                          <a:srgbClr val="000000"/>
+                        </a:solidFill>
+                        <a:effectLst/>
+                        <a:latin typeface="Arial" panose="020B0604020202020204" pitchFamily="34" charset="0"/>
+                      </a:endParaRPr>
+                    </a:p>
+                  </a:txBody>
+                  <a:tcPr marL="9525" marR="9525" marT="9525" marB="0" anchor="b"/>
+                </a:tc>
+                <a:tc>
+                  <a:txBody>
+                    <a:bodyPr/>
+                    <a:lstStyle/>
+                    <a:p>
+                      <a:pPr algn="r" fontAlgn="b"/>
+                      <a:r>
+                        <a:rPr lang="fr-FR" sz="1100" u="none" strike="noStrike">
+                          <a:effectLst/>
+                        </a:rPr>
+                        <a:t>16%</a:t>
+                      </a:r>
+                      <a:endParaRPr lang="fr-FR" sz="1100" b="0" i="0" u="none" strike="noStrike">
+                        <a:solidFill>
+                          <a:srgbClr val="000000"/>
+                        </a:solidFill>
+                        <a:effectLst/>
+                        <a:latin typeface="Arial" panose="020B0604020202020204" pitchFamily="34" charset="0"/>
+                      </a:endParaRPr>
+                    </a:p>
+                  </a:txBody>
+                  <a:tcPr marL="9525" marR="9525" marT="9525" marB="0" anchor="b"/>
+                </a:tc>
+                <a:extLst>
+                  <a:ext uri="{0D108BD9-81ED-4DB2-BD59-A6C34878D82A}">
+                    <a16:rowId xmlns:a16="http://schemas.microsoft.com/office/drawing/2014/main" val="906017279"/>
+                  </a:ext>
+                </a:extLst>
+              </a:tr>
+              <a:tr h="161925">
+                <a:tc>
+                  <a:txBody>
+                    <a:bodyPr/>
+                    <a:lstStyle/>
+                    <a:p>
+                      <a:pPr algn="l" fontAlgn="b"/>
+                      <a:r>
+                        <a:rPr lang="fr-FR" sz="1100" u="none" strike="noStrike">
+                          <a:effectLst/>
+                        </a:rPr>
+                        <a:t>Peu dense</a:t>
+                      </a:r>
+                      <a:endParaRPr lang="fr-FR" sz="1100" b="0" i="0" u="none" strike="noStrike">
+                        <a:solidFill>
+                          <a:srgbClr val="000000"/>
+                        </a:solidFill>
+                        <a:effectLst/>
+                        <a:latin typeface="Arial" panose="020B0604020202020204" pitchFamily="34" charset="0"/>
+                      </a:endParaRPr>
+                    </a:p>
+                  </a:txBody>
+                  <a:tcPr marL="9525" marR="9525" marT="9525" marB="0" anchor="b"/>
+                </a:tc>
+                <a:tc>
+                  <a:txBody>
+                    <a:bodyPr/>
+                    <a:lstStyle/>
+                    <a:p>
+                      <a:pPr algn="r" fontAlgn="b"/>
+                      <a:r>
+                        <a:rPr lang="fr-FR" sz="1100" u="none" strike="noStrike">
+                          <a:effectLst/>
+                        </a:rPr>
+                        <a:t>55%</a:t>
+                      </a:r>
+                      <a:endParaRPr lang="fr-FR" sz="1100" b="0" i="0" u="none" strike="noStrike">
+                        <a:solidFill>
+                          <a:srgbClr val="000000"/>
+                        </a:solidFill>
+                        <a:effectLst/>
+                        <a:latin typeface="Arial" panose="020B0604020202020204" pitchFamily="34" charset="0"/>
+                      </a:endParaRPr>
+                    </a:p>
+                  </a:txBody>
+                  <a:tcPr marL="9525" marR="9525" marT="9525" marB="0" anchor="b"/>
+                </a:tc>
+                <a:tc>
+                  <a:txBody>
+                    <a:bodyPr/>
+                    <a:lstStyle/>
+                    <a:p>
+                      <a:pPr algn="r" fontAlgn="b"/>
+                      <a:r>
+                        <a:rPr lang="fr-FR" sz="1100" u="none" strike="noStrike">
+                          <a:effectLst/>
+                        </a:rPr>
+                        <a:t>24%</a:t>
+                      </a:r>
+                      <a:endParaRPr lang="fr-FR" sz="1100" b="0" i="0" u="none" strike="noStrike">
+                        <a:solidFill>
+                          <a:srgbClr val="000000"/>
+                        </a:solidFill>
+                        <a:effectLst/>
+                        <a:latin typeface="Arial" panose="020B0604020202020204" pitchFamily="34" charset="0"/>
+                      </a:endParaRPr>
+                    </a:p>
+                  </a:txBody>
+                  <a:tcPr marL="9525" marR="9525" marT="9525" marB="0" anchor="b"/>
+                </a:tc>
+                <a:tc>
+                  <a:txBody>
+                    <a:bodyPr/>
+                    <a:lstStyle/>
+                    <a:p>
+                      <a:pPr algn="r" fontAlgn="b"/>
+                      <a:r>
+                        <a:rPr lang="fr-FR" sz="1100" u="none" strike="noStrike">
+                          <a:effectLst/>
+                        </a:rPr>
+                        <a:t>21%</a:t>
+                      </a:r>
+                      <a:endParaRPr lang="fr-FR" sz="1100" b="0" i="0" u="none" strike="noStrike">
+                        <a:solidFill>
+                          <a:srgbClr val="000000"/>
+                        </a:solidFill>
+                        <a:effectLst/>
+                        <a:latin typeface="Arial" panose="020B0604020202020204" pitchFamily="34" charset="0"/>
+                      </a:endParaRPr>
+                    </a:p>
+                  </a:txBody>
+                  <a:tcPr marL="9525" marR="9525" marT="9525" marB="0" anchor="b"/>
+                </a:tc>
+                <a:extLst>
+                  <a:ext uri="{0D108BD9-81ED-4DB2-BD59-A6C34878D82A}">
+                    <a16:rowId xmlns:a16="http://schemas.microsoft.com/office/drawing/2014/main" val="1304661654"/>
+                  </a:ext>
+                </a:extLst>
+              </a:tr>
+              <a:tr h="161925">
+                <a:tc>
+                  <a:txBody>
+                    <a:bodyPr/>
+                    <a:lstStyle/>
+                    <a:p>
+                      <a:pPr algn="l" fontAlgn="b"/>
+                      <a:r>
+                        <a:rPr lang="fr-FR" sz="1100" u="none" strike="noStrike">
+                          <a:effectLst/>
+                        </a:rPr>
+                        <a:t>Total général</a:t>
+                      </a:r>
+                      <a:endParaRPr lang="fr-FR" sz="1100" b="1" i="0" u="none" strike="noStrike">
+                        <a:solidFill>
+                          <a:srgbClr val="000000"/>
+                        </a:solidFill>
+                        <a:effectLst/>
+                        <a:latin typeface="Arial" panose="020B0604020202020204" pitchFamily="34" charset="0"/>
+                      </a:endParaRPr>
+                    </a:p>
+                  </a:txBody>
+                  <a:tcPr marL="9525" marR="9525" marT="9525" marB="0" anchor="b"/>
+                </a:tc>
+                <a:tc>
+                  <a:txBody>
+                    <a:bodyPr/>
+                    <a:lstStyle/>
+                    <a:p>
+                      <a:pPr algn="r" fontAlgn="b"/>
+                      <a:r>
+                        <a:rPr lang="fr-FR" sz="1100" u="none" strike="noStrike">
+                          <a:effectLst/>
+                        </a:rPr>
+                        <a:t>62%</a:t>
+                      </a:r>
+                      <a:endParaRPr lang="fr-FR" sz="1100" b="1" i="0" u="none" strike="noStrike">
+                        <a:solidFill>
+                          <a:srgbClr val="000000"/>
+                        </a:solidFill>
+                        <a:effectLst/>
+                        <a:latin typeface="Arial" panose="020B0604020202020204" pitchFamily="34" charset="0"/>
+                      </a:endParaRPr>
+                    </a:p>
+                  </a:txBody>
+                  <a:tcPr marL="9525" marR="9525" marT="9525" marB="0" anchor="b"/>
+                </a:tc>
+                <a:tc>
+                  <a:txBody>
+                    <a:bodyPr/>
+                    <a:lstStyle/>
+                    <a:p>
+                      <a:pPr algn="r" fontAlgn="b"/>
+                      <a:r>
+                        <a:rPr lang="fr-FR" sz="1100" u="none" strike="noStrike">
+                          <a:effectLst/>
+                        </a:rPr>
+                        <a:t>21%</a:t>
+                      </a:r>
+                      <a:endParaRPr lang="fr-FR" sz="1100" b="1" i="0" u="none" strike="noStrike">
+                        <a:solidFill>
+                          <a:srgbClr val="000000"/>
+                        </a:solidFill>
+                        <a:effectLst/>
+                        <a:latin typeface="Arial" panose="020B0604020202020204" pitchFamily="34" charset="0"/>
+                      </a:endParaRPr>
+                    </a:p>
+                  </a:txBody>
+                  <a:tcPr marL="9525" marR="9525" marT="9525" marB="0" anchor="b"/>
+                </a:tc>
+                <a:tc>
+                  <a:txBody>
+                    <a:bodyPr/>
+                    <a:lstStyle/>
+                    <a:p>
+                      <a:pPr algn="r" fontAlgn="b"/>
+                      <a:r>
+                        <a:rPr lang="fr-FR" sz="1100" u="none" strike="noStrike" dirty="0">
+                          <a:effectLst/>
+                        </a:rPr>
+                        <a:t>17%</a:t>
+                      </a:r>
+                      <a:endParaRPr lang="fr-FR" sz="1100" b="1" i="0" u="none" strike="noStrike" dirty="0">
+                        <a:solidFill>
+                          <a:srgbClr val="000000"/>
+                        </a:solidFill>
+                        <a:effectLst/>
+                        <a:latin typeface="Arial" panose="020B0604020202020204" pitchFamily="34" charset="0"/>
+                      </a:endParaRPr>
+                    </a:p>
+                  </a:txBody>
+                  <a:tcPr marL="9525" marR="9525" marT="9525" marB="0" anchor="b"/>
+                </a:tc>
+                <a:extLst>
+                  <a:ext uri="{0D108BD9-81ED-4DB2-BD59-A6C34878D82A}">
+                    <a16:rowId xmlns:a16="http://schemas.microsoft.com/office/drawing/2014/main" val="3309441976"/>
+                  </a:ext>
+                </a:extLst>
+              </a:tr>
+            </a:tbl>
+          </a:graphicData>
+        </a:graphic>
+      </p:graphicFrame>
+    </p:spTree>
+    <p:extLst>
+      <p:ext uri="{BB962C8B-B14F-4D97-AF65-F5344CB8AC3E}">
+        <p14:creationId xmlns:p14="http://schemas.microsoft.com/office/powerpoint/2010/main" val="2159019321"/>
+      </p:ext>
+    </p:extLst>
+  </p:cSld>
+  <p:clrMapOvr>
+    <a:masterClrMapping/>
+  </p:clrMapOvr>
+  <mc:AlternateContent xmlns:mc="http://schemas.openxmlformats.org/markup-compatibility/2006">
+    <mc:Choice xmlns:p14="http://schemas.microsoft.com/office/powerpoint/2010/main" Requires="p14">
+      <p:transition spd="med" p14:dur="700">
+        <p:fade/>
+      </p:transition>
+    </mc:Choice>
+    <mc:Fallback>
+      <p:transition spd="med">
+        <p:fade/>
+      </p:transition>
+    </mc:Fallback>
+  </mc:AlternateContent>
+</p:sld>
+</file>
+
+<file path=ppt/slides/slide14.xml><?xml version="1.0" encoding="utf-8"?>
+<p:sld xmlns:a="http://schemas.openxmlformats.org/drawingml/2006/main" xmlns:r="http://schemas.openxmlformats.org/officeDocument/2006/relationships" xmlns:p="http://schemas.openxmlformats.org/presentationml/2006/main">
+  <p:cSld>
+    <p:spTree>
+      <p:nvGrpSpPr>
+        <p:cNvPr id="1" name=""/>
+        <p:cNvGrpSpPr/>
+        <p:nvPr/>
+      </p:nvGrpSpPr>
+      <p:grpSpPr>
+        <a:xfrm>
+          <a:off x="0" y="0"/>
+          <a:ext cx="0" cy="0"/>
+          <a:chOff x="0" y="0"/>
+          <a:chExt cx="0" cy="0"/>
+        </a:xfrm>
+      </p:grpSpPr>
+      <p:sp>
+        <p:nvSpPr>
+          <p:cNvPr id="2" name="Titre 1">
+            <a:extLst>
+              <a:ext uri="{FF2B5EF4-FFF2-40B4-BE49-F238E27FC236}">
+                <a16:creationId xmlns:a16="http://schemas.microsoft.com/office/drawing/2014/main" id="{9FD5754E-0FDF-2C55-12AD-697FFCA1162F}"/>
+              </a:ext>
+            </a:extLst>
+          </p:cNvPr>
+          <p:cNvSpPr>
+            <a:spLocks noGrp="1"/>
+          </p:cNvSpPr>
+          <p:nvPr>
+            <p:ph type="title"/>
+          </p:nvPr>
+        </p:nvSpPr>
+        <p:spPr/>
+        <p:txBody>
+          <a:bodyPr/>
+          <a:lstStyle/>
+          <a:p>
+            <a:r>
+              <a:rPr lang="fr-FR" dirty="0"/>
+              <a:t>Les analyses</a:t>
+            </a:r>
+          </a:p>
+        </p:txBody>
+      </p:sp>
+      <p:sp>
+        <p:nvSpPr>
+          <p:cNvPr id="4" name="Espace réservé du numéro de diapositive 3">
+            <a:extLst>
+              <a:ext uri="{FF2B5EF4-FFF2-40B4-BE49-F238E27FC236}">
+                <a16:creationId xmlns:a16="http://schemas.microsoft.com/office/drawing/2014/main" id="{85E24B14-D545-5014-A9C1-3CAC57841C4D}"/>
+              </a:ext>
+            </a:extLst>
+          </p:cNvPr>
+          <p:cNvSpPr>
+            <a:spLocks noGrp="1"/>
+          </p:cNvSpPr>
+          <p:nvPr>
+            <p:ph type="sldNum" sz="quarter" idx="12"/>
+          </p:nvPr>
+        </p:nvSpPr>
+        <p:spPr/>
+        <p:txBody>
+          <a:bodyPr/>
+          <a:lstStyle/>
+          <a:p>
+            <a:pPr rtl="0"/>
+            <a:fld id="{3A98EE3D-8CD1-4C3F-BD1C-C98C9596463C}" type="slidenum">
+              <a:rPr lang="en-US" smtClean="0"/>
+              <a:t>14</a:t>
+            </a:fld>
+            <a:endParaRPr lang="en-US" dirty="0"/>
+          </a:p>
+        </p:txBody>
+      </p:sp>
+      <p:pic>
+        <p:nvPicPr>
+          <p:cNvPr id="3" name="Image 2">
+            <a:extLst>
+              <a:ext uri="{FF2B5EF4-FFF2-40B4-BE49-F238E27FC236}">
+                <a16:creationId xmlns:a16="http://schemas.microsoft.com/office/drawing/2014/main" id="{EE77B4C3-55DB-BB90-E8B9-D6DEF8EAB28D}"/>
+              </a:ext>
+            </a:extLst>
+          </p:cNvPr>
+          <p:cNvPicPr>
+            <a:picLocks noChangeAspect="1"/>
+          </p:cNvPicPr>
+          <p:nvPr/>
+        </p:nvPicPr>
+        <p:blipFill>
+          <a:blip r:embed="rId2"/>
+          <a:stretch>
+            <a:fillRect/>
+          </a:stretch>
+        </p:blipFill>
+        <p:spPr>
+          <a:xfrm>
+            <a:off x="357025" y="2253739"/>
+            <a:ext cx="5575088" cy="2376485"/>
+          </a:xfrm>
+          <a:prstGeom prst="rect">
+            <a:avLst/>
+          </a:prstGeom>
+        </p:spPr>
+      </p:pic>
+      <p:pic>
+        <p:nvPicPr>
+          <p:cNvPr id="5" name="Image 4">
+            <a:extLst>
+              <a:ext uri="{FF2B5EF4-FFF2-40B4-BE49-F238E27FC236}">
+                <a16:creationId xmlns:a16="http://schemas.microsoft.com/office/drawing/2014/main" id="{E831E86B-CD81-E318-257E-18D4003B4315}"/>
+              </a:ext>
+            </a:extLst>
+          </p:cNvPr>
+          <p:cNvPicPr>
+            <a:picLocks noChangeAspect="1"/>
+          </p:cNvPicPr>
+          <p:nvPr/>
+        </p:nvPicPr>
+        <p:blipFill>
+          <a:blip r:embed="rId3"/>
+          <a:stretch>
+            <a:fillRect/>
+          </a:stretch>
+        </p:blipFill>
+        <p:spPr>
+          <a:xfrm>
+            <a:off x="6090676" y="2233705"/>
+            <a:ext cx="5575085" cy="2376484"/>
+          </a:xfrm>
+          <a:prstGeom prst="rect">
+            <a:avLst/>
+          </a:prstGeom>
+        </p:spPr>
+      </p:pic>
+      <p:sp>
+        <p:nvSpPr>
+          <p:cNvPr id="6" name="ZoneTexte 5">
+            <a:extLst>
+              <a:ext uri="{FF2B5EF4-FFF2-40B4-BE49-F238E27FC236}">
+                <a16:creationId xmlns:a16="http://schemas.microsoft.com/office/drawing/2014/main" id="{CFA5B58A-87CF-C72E-C683-DA1A9453426F}"/>
+              </a:ext>
+            </a:extLst>
+          </p:cNvPr>
+          <p:cNvSpPr txBox="1"/>
+          <p:nvPr/>
+        </p:nvSpPr>
+        <p:spPr>
+          <a:xfrm>
+            <a:off x="9990411" y="4302412"/>
+            <a:ext cx="2810394" cy="307777"/>
+          </a:xfrm>
+          <a:prstGeom prst="rect">
+            <a:avLst/>
+          </a:prstGeom>
+          <a:noFill/>
+        </p:spPr>
+        <p:txBody>
+          <a:bodyPr wrap="square" rtlCol="0">
+            <a:spAutoFit/>
+          </a:bodyPr>
+          <a:lstStyle/>
+          <a:p>
+            <a:r>
+              <a:rPr lang="fr-FR" sz="1400" dirty="0"/>
+              <a:t>Intermédièrent peuplé</a:t>
+            </a:r>
+          </a:p>
+        </p:txBody>
+      </p:sp>
+      <p:graphicFrame>
+        <p:nvGraphicFramePr>
+          <p:cNvPr id="7" name="Tableau 6">
+            <a:extLst>
+              <a:ext uri="{FF2B5EF4-FFF2-40B4-BE49-F238E27FC236}">
+                <a16:creationId xmlns:a16="http://schemas.microsoft.com/office/drawing/2014/main" id="{203457B3-C6DA-CAC3-93DF-FBC67D2B61D8}"/>
+              </a:ext>
+            </a:extLst>
+          </p:cNvPr>
+          <p:cNvGraphicFramePr>
+            <a:graphicFrameLocks noGrp="1"/>
+          </p:cNvGraphicFramePr>
+          <p:nvPr>
+            <p:extLst>
+              <p:ext uri="{D42A27DB-BD31-4B8C-83A1-F6EECF244321}">
+                <p14:modId xmlns:p14="http://schemas.microsoft.com/office/powerpoint/2010/main" val="1225608844"/>
+              </p:ext>
+            </p:extLst>
+          </p:nvPr>
+        </p:nvGraphicFramePr>
+        <p:xfrm>
+          <a:off x="2263120" y="5514974"/>
+          <a:ext cx="7366001" cy="885825"/>
+        </p:xfrm>
+        <a:graphic>
+          <a:graphicData uri="http://schemas.openxmlformats.org/drawingml/2006/table">
+            <a:tbl>
+              <a:tblPr>
+                <a:tableStyleId>{5C22544A-7EE6-4342-B048-85BDC9FD1C3A}</a:tableStyleId>
+              </a:tblPr>
+              <a:tblGrid>
+                <a:gridCol w="2151647">
+                  <a:extLst>
+                    <a:ext uri="{9D8B030D-6E8A-4147-A177-3AD203B41FA5}">
+                      <a16:colId xmlns:a16="http://schemas.microsoft.com/office/drawing/2014/main" val="2017451946"/>
+                    </a:ext>
+                  </a:extLst>
+                </a:gridCol>
+                <a:gridCol w="2442411">
+                  <a:extLst>
+                    <a:ext uri="{9D8B030D-6E8A-4147-A177-3AD203B41FA5}">
+                      <a16:colId xmlns:a16="http://schemas.microsoft.com/office/drawing/2014/main" val="2756082664"/>
+                    </a:ext>
+                  </a:extLst>
+                </a:gridCol>
+                <a:gridCol w="717216">
+                  <a:extLst>
+                    <a:ext uri="{9D8B030D-6E8A-4147-A177-3AD203B41FA5}">
+                      <a16:colId xmlns:a16="http://schemas.microsoft.com/office/drawing/2014/main" val="4200879547"/>
+                    </a:ext>
+                  </a:extLst>
+                </a:gridCol>
+                <a:gridCol w="717216">
+                  <a:extLst>
+                    <a:ext uri="{9D8B030D-6E8A-4147-A177-3AD203B41FA5}">
+                      <a16:colId xmlns:a16="http://schemas.microsoft.com/office/drawing/2014/main" val="168727949"/>
+                    </a:ext>
+                  </a:extLst>
+                </a:gridCol>
+                <a:gridCol w="1337511">
+                  <a:extLst>
+                    <a:ext uri="{9D8B030D-6E8A-4147-A177-3AD203B41FA5}">
+                      <a16:colId xmlns:a16="http://schemas.microsoft.com/office/drawing/2014/main" val="575362914"/>
+                    </a:ext>
+                  </a:extLst>
+                </a:gridCol>
+              </a:tblGrid>
+              <a:tr h="161925">
+                <a:tc>
+                  <a:txBody>
+                    <a:bodyPr/>
+                    <a:lstStyle/>
+                    <a:p>
+                      <a:pPr algn="l" fontAlgn="b"/>
+                      <a:r>
+                        <a:rPr lang="fr-FR" sz="1100" u="none" strike="noStrike" dirty="0">
+                          <a:effectLst/>
+                        </a:rPr>
+                        <a:t>Typologies</a:t>
+                      </a:r>
+                      <a:endParaRPr lang="fr-FR" sz="1100" b="1" i="0" u="none" strike="noStrike" dirty="0">
+                        <a:solidFill>
+                          <a:srgbClr val="000000"/>
+                        </a:solidFill>
+                        <a:effectLst/>
+                        <a:latin typeface="Arial" panose="020B0604020202020204" pitchFamily="34" charset="0"/>
+                      </a:endParaRPr>
+                    </a:p>
+                  </a:txBody>
+                  <a:tcPr marL="9525" marR="9525" marT="9525" marB="0" anchor="b"/>
+                </a:tc>
+                <a:tc>
+                  <a:txBody>
+                    <a:bodyPr/>
+                    <a:lstStyle/>
+                    <a:p>
+                      <a:pPr algn="l" fontAlgn="b"/>
+                      <a:r>
+                        <a:rPr lang="fr-FR" sz="1100" u="none" strike="noStrike">
+                          <a:effectLst/>
+                        </a:rPr>
+                        <a:t>REOM</a:t>
+                      </a:r>
+                      <a:endParaRPr lang="fr-FR" sz="1100" b="1" i="0" u="none" strike="noStrike">
+                        <a:solidFill>
+                          <a:srgbClr val="000000"/>
+                        </a:solidFill>
+                        <a:effectLst/>
+                        <a:latin typeface="Arial" panose="020B0604020202020204" pitchFamily="34" charset="0"/>
+                      </a:endParaRPr>
+                    </a:p>
+                  </a:txBody>
+                  <a:tcPr marL="9525" marR="9525" marT="9525" marB="0" anchor="b"/>
+                </a:tc>
+                <a:tc>
+                  <a:txBody>
+                    <a:bodyPr/>
+                    <a:lstStyle/>
+                    <a:p>
+                      <a:pPr algn="l" fontAlgn="b"/>
+                      <a:r>
+                        <a:rPr lang="fr-FR" sz="1100" u="none" strike="noStrike">
+                          <a:effectLst/>
+                        </a:rPr>
+                        <a:t>TEOM</a:t>
+                      </a:r>
+                      <a:endParaRPr lang="fr-FR" sz="1100" b="1" i="0" u="none" strike="noStrike">
+                        <a:solidFill>
+                          <a:srgbClr val="000000"/>
+                        </a:solidFill>
+                        <a:effectLst/>
+                        <a:latin typeface="Arial" panose="020B0604020202020204" pitchFamily="34" charset="0"/>
+                      </a:endParaRPr>
+                    </a:p>
+                  </a:txBody>
+                  <a:tcPr marL="9525" marR="9525" marT="9525" marB="0" anchor="b"/>
+                </a:tc>
+                <a:tc>
+                  <a:txBody>
+                    <a:bodyPr/>
+                    <a:lstStyle/>
+                    <a:p>
+                      <a:pPr algn="l" fontAlgn="b"/>
+                      <a:r>
+                        <a:rPr lang="fr-FR" sz="1100" u="none" strike="noStrike">
+                          <a:effectLst/>
+                        </a:rPr>
+                        <a:t>TI</a:t>
+                      </a:r>
+                      <a:endParaRPr lang="fr-FR" sz="1100" b="1" i="0" u="none" strike="noStrike">
+                        <a:solidFill>
+                          <a:srgbClr val="000000"/>
+                        </a:solidFill>
+                        <a:effectLst/>
+                        <a:latin typeface="Arial" panose="020B0604020202020204" pitchFamily="34" charset="0"/>
+                      </a:endParaRPr>
+                    </a:p>
+                  </a:txBody>
+                  <a:tcPr marL="9525" marR="9525" marT="9525" marB="0" anchor="b"/>
+                </a:tc>
+                <a:tc>
+                  <a:txBody>
+                    <a:bodyPr/>
+                    <a:lstStyle/>
+                    <a:p>
+                      <a:pPr algn="l" fontAlgn="b"/>
+                      <a:r>
+                        <a:rPr lang="fr-FR" sz="1100" u="none" strike="noStrike" dirty="0">
+                          <a:effectLst/>
+                        </a:rPr>
+                        <a:t>Total</a:t>
+                      </a:r>
+                      <a:endParaRPr lang="fr-FR" sz="1100" b="1" i="0" u="none" strike="noStrike" dirty="0">
+                        <a:solidFill>
+                          <a:srgbClr val="000000"/>
+                        </a:solidFill>
+                        <a:effectLst/>
+                        <a:latin typeface="Arial" panose="020B0604020202020204" pitchFamily="34" charset="0"/>
+                      </a:endParaRPr>
+                    </a:p>
+                  </a:txBody>
+                  <a:tcPr marL="9525" marR="9525" marT="9525" marB="0" anchor="b"/>
+                </a:tc>
+                <a:extLst>
+                  <a:ext uri="{0D108BD9-81ED-4DB2-BD59-A6C34878D82A}">
+                    <a16:rowId xmlns:a16="http://schemas.microsoft.com/office/drawing/2014/main" val="2473644660"/>
+                  </a:ext>
+                </a:extLst>
+              </a:tr>
+              <a:tr h="161925">
+                <a:tc>
+                  <a:txBody>
+                    <a:bodyPr/>
+                    <a:lstStyle/>
+                    <a:p>
+                      <a:pPr algn="l" fontAlgn="b"/>
+                      <a:r>
+                        <a:rPr lang="fr-FR" sz="1100" u="none" strike="noStrike">
+                          <a:effectLst/>
+                        </a:rPr>
+                        <a:t>Densément peuplé</a:t>
+                      </a:r>
+                      <a:endParaRPr lang="fr-FR" sz="1100" b="0" i="0" u="none" strike="noStrike">
+                        <a:solidFill>
+                          <a:srgbClr val="000000"/>
+                        </a:solidFill>
+                        <a:effectLst/>
+                        <a:latin typeface="Arial" panose="020B0604020202020204" pitchFamily="34" charset="0"/>
+                      </a:endParaRPr>
+                    </a:p>
+                  </a:txBody>
+                  <a:tcPr marL="9525" marR="9525" marT="9525" marB="0" anchor="b"/>
+                </a:tc>
+                <a:tc>
+                  <a:txBody>
+                    <a:bodyPr/>
+                    <a:lstStyle/>
+                    <a:p>
+                      <a:pPr algn="r" fontAlgn="b"/>
+                      <a:r>
+                        <a:rPr lang="fr-FR" sz="1100" b="0" i="0" u="none" strike="noStrike" dirty="0">
+                          <a:solidFill>
+                            <a:srgbClr val="000000"/>
+                          </a:solidFill>
+                          <a:effectLst/>
+                          <a:latin typeface="Arial" panose="020B0604020202020204" pitchFamily="34" charset="0"/>
+                        </a:rPr>
+                        <a:t>0</a:t>
+                      </a:r>
+                    </a:p>
+                  </a:txBody>
+                  <a:tcPr marL="9525" marR="9525" marT="9525" marB="0" anchor="b"/>
+                </a:tc>
+                <a:tc>
+                  <a:txBody>
+                    <a:bodyPr/>
+                    <a:lstStyle/>
+                    <a:p>
+                      <a:pPr algn="r" fontAlgn="b"/>
+                      <a:r>
+                        <a:rPr lang="fr-FR" sz="1100" u="none" strike="noStrike">
+                          <a:effectLst/>
+                        </a:rPr>
+                        <a:t>90,52</a:t>
+                      </a:r>
+                      <a:endParaRPr lang="fr-FR" sz="1100" b="0" i="0" u="none" strike="noStrike">
+                        <a:solidFill>
+                          <a:srgbClr val="000000"/>
+                        </a:solidFill>
+                        <a:effectLst/>
+                        <a:latin typeface="Arial" panose="020B0604020202020204" pitchFamily="34" charset="0"/>
+                      </a:endParaRPr>
+                    </a:p>
+                  </a:txBody>
+                  <a:tcPr marL="9525" marR="9525" marT="9525" marB="0" anchor="b"/>
+                </a:tc>
+                <a:tc>
+                  <a:txBody>
+                    <a:bodyPr/>
+                    <a:lstStyle/>
+                    <a:p>
+                      <a:pPr algn="r" fontAlgn="b"/>
+                      <a:endParaRPr lang="fr-FR" sz="1100" b="0" i="0" u="none" strike="noStrike">
+                        <a:solidFill>
+                          <a:srgbClr val="000000"/>
+                        </a:solidFill>
+                        <a:effectLst/>
+                        <a:latin typeface="Arial" panose="020B0604020202020204" pitchFamily="34" charset="0"/>
+                      </a:endParaRPr>
+                    </a:p>
+                  </a:txBody>
+                  <a:tcPr marL="9525" marR="9525" marT="9525" marB="0" anchor="b"/>
+                </a:tc>
+                <a:tc>
+                  <a:txBody>
+                    <a:bodyPr/>
+                    <a:lstStyle/>
+                    <a:p>
+                      <a:pPr algn="r" fontAlgn="b"/>
+                      <a:r>
+                        <a:rPr lang="fr-FR" sz="1100" u="none" strike="noStrike">
+                          <a:effectLst/>
+                        </a:rPr>
+                        <a:t>90,52</a:t>
+                      </a:r>
+                      <a:endParaRPr lang="fr-FR" sz="1100" b="0" i="0" u="none" strike="noStrike">
+                        <a:solidFill>
+                          <a:srgbClr val="000000"/>
+                        </a:solidFill>
+                        <a:effectLst/>
+                        <a:latin typeface="Arial" panose="020B0604020202020204" pitchFamily="34" charset="0"/>
+                      </a:endParaRPr>
+                    </a:p>
+                  </a:txBody>
+                  <a:tcPr marL="9525" marR="9525" marT="9525" marB="0" anchor="b"/>
+                </a:tc>
+                <a:extLst>
+                  <a:ext uri="{0D108BD9-81ED-4DB2-BD59-A6C34878D82A}">
+                    <a16:rowId xmlns:a16="http://schemas.microsoft.com/office/drawing/2014/main" val="3745616516"/>
+                  </a:ext>
+                </a:extLst>
+              </a:tr>
+              <a:tr h="161925">
+                <a:tc>
+                  <a:txBody>
+                    <a:bodyPr/>
+                    <a:lstStyle/>
+                    <a:p>
+                      <a:pPr algn="l" fontAlgn="b"/>
+                      <a:r>
+                        <a:rPr lang="fr-FR" sz="1100" u="none" strike="noStrike">
+                          <a:effectLst/>
+                        </a:rPr>
+                        <a:t>Densité intermédiaire</a:t>
+                      </a:r>
+                      <a:endParaRPr lang="fr-FR" sz="1100" b="0" i="0" u="none" strike="noStrike">
+                        <a:solidFill>
+                          <a:srgbClr val="000000"/>
+                        </a:solidFill>
+                        <a:effectLst/>
+                        <a:latin typeface="Arial" panose="020B0604020202020204" pitchFamily="34" charset="0"/>
+                      </a:endParaRPr>
+                    </a:p>
+                  </a:txBody>
+                  <a:tcPr marL="9525" marR="9525" marT="9525" marB="0" anchor="b"/>
+                </a:tc>
+                <a:tc>
+                  <a:txBody>
+                    <a:bodyPr/>
+                    <a:lstStyle/>
+                    <a:p>
+                      <a:pPr algn="r" fontAlgn="b"/>
+                      <a:r>
+                        <a:rPr lang="fr-FR" sz="1100" b="0" i="0" u="none" strike="noStrike" dirty="0">
+                          <a:solidFill>
+                            <a:srgbClr val="000000"/>
+                          </a:solidFill>
+                          <a:effectLst/>
+                          <a:latin typeface="Arial" panose="020B0604020202020204" pitchFamily="34" charset="0"/>
+                        </a:rPr>
+                        <a:t>0</a:t>
+                      </a:r>
+                    </a:p>
+                  </a:txBody>
+                  <a:tcPr marL="9525" marR="9525" marT="9525" marB="0" anchor="b"/>
+                </a:tc>
+                <a:tc>
+                  <a:txBody>
+                    <a:bodyPr/>
+                    <a:lstStyle/>
+                    <a:p>
+                      <a:pPr algn="r" fontAlgn="b"/>
+                      <a:r>
+                        <a:rPr lang="fr-FR" sz="1100" u="none" strike="noStrike">
+                          <a:effectLst/>
+                        </a:rPr>
+                        <a:t>111,28</a:t>
+                      </a:r>
+                      <a:endParaRPr lang="fr-FR" sz="1100" b="0" i="0" u="none" strike="noStrike">
+                        <a:solidFill>
+                          <a:srgbClr val="000000"/>
+                        </a:solidFill>
+                        <a:effectLst/>
+                        <a:latin typeface="Arial" panose="020B0604020202020204" pitchFamily="34" charset="0"/>
+                      </a:endParaRPr>
+                    </a:p>
+                  </a:txBody>
+                  <a:tcPr marL="9525" marR="9525" marT="9525" marB="0" anchor="b"/>
+                </a:tc>
+                <a:tc>
+                  <a:txBody>
+                    <a:bodyPr/>
+                    <a:lstStyle/>
+                    <a:p>
+                      <a:pPr algn="r" fontAlgn="b"/>
+                      <a:r>
+                        <a:rPr lang="fr-FR" sz="1100" u="none" strike="noStrike">
+                          <a:effectLst/>
+                        </a:rPr>
+                        <a:t>105,68</a:t>
+                      </a:r>
+                      <a:endParaRPr lang="fr-FR" sz="1100" b="0" i="0" u="none" strike="noStrike">
+                        <a:solidFill>
+                          <a:srgbClr val="000000"/>
+                        </a:solidFill>
+                        <a:effectLst/>
+                        <a:latin typeface="Arial" panose="020B0604020202020204" pitchFamily="34" charset="0"/>
+                      </a:endParaRPr>
+                    </a:p>
+                  </a:txBody>
+                  <a:tcPr marL="9525" marR="9525" marT="9525" marB="0" anchor="b"/>
+                </a:tc>
+                <a:tc>
+                  <a:txBody>
+                    <a:bodyPr/>
+                    <a:lstStyle/>
+                    <a:p>
+                      <a:pPr algn="r" fontAlgn="b"/>
+                      <a:r>
+                        <a:rPr lang="fr-FR" sz="1100" u="none" strike="noStrike">
+                          <a:effectLst/>
+                        </a:rPr>
+                        <a:t>109,04</a:t>
+                      </a:r>
+                      <a:endParaRPr lang="fr-FR" sz="1100" b="0" i="0" u="none" strike="noStrike">
+                        <a:solidFill>
+                          <a:srgbClr val="000000"/>
+                        </a:solidFill>
+                        <a:effectLst/>
+                        <a:latin typeface="Arial" panose="020B0604020202020204" pitchFamily="34" charset="0"/>
+                      </a:endParaRPr>
+                    </a:p>
+                  </a:txBody>
+                  <a:tcPr marL="9525" marR="9525" marT="9525" marB="0" anchor="b"/>
+                </a:tc>
+                <a:extLst>
+                  <a:ext uri="{0D108BD9-81ED-4DB2-BD59-A6C34878D82A}">
+                    <a16:rowId xmlns:a16="http://schemas.microsoft.com/office/drawing/2014/main" val="1307690044"/>
+                  </a:ext>
+                </a:extLst>
+              </a:tr>
+              <a:tr h="161925">
+                <a:tc>
+                  <a:txBody>
+                    <a:bodyPr/>
+                    <a:lstStyle/>
+                    <a:p>
+                      <a:pPr algn="l" fontAlgn="b"/>
+                      <a:r>
+                        <a:rPr lang="fr-FR" sz="1100" u="none" strike="noStrike">
+                          <a:effectLst/>
+                        </a:rPr>
+                        <a:t>Peu dense</a:t>
+                      </a:r>
+                      <a:endParaRPr lang="fr-FR" sz="1100" b="0" i="0" u="none" strike="noStrike">
+                        <a:solidFill>
+                          <a:srgbClr val="000000"/>
+                        </a:solidFill>
+                        <a:effectLst/>
+                        <a:latin typeface="Arial" panose="020B0604020202020204" pitchFamily="34" charset="0"/>
+                      </a:endParaRPr>
+                    </a:p>
+                  </a:txBody>
+                  <a:tcPr marL="9525" marR="9525" marT="9525" marB="0" anchor="b"/>
+                </a:tc>
+                <a:tc>
+                  <a:txBody>
+                    <a:bodyPr/>
+                    <a:lstStyle/>
+                    <a:p>
+                      <a:pPr algn="r" fontAlgn="b"/>
+                      <a:r>
+                        <a:rPr lang="fr-FR" sz="1100" u="none" strike="noStrike" dirty="0">
+                          <a:effectLst/>
+                        </a:rPr>
+                        <a:t>102,79</a:t>
+                      </a:r>
+                      <a:endParaRPr lang="fr-FR" sz="1100" b="0" i="0" u="none" strike="noStrike" dirty="0">
+                        <a:solidFill>
+                          <a:srgbClr val="000000"/>
+                        </a:solidFill>
+                        <a:effectLst/>
+                        <a:latin typeface="Arial" panose="020B0604020202020204" pitchFamily="34" charset="0"/>
+                      </a:endParaRPr>
+                    </a:p>
+                  </a:txBody>
+                  <a:tcPr marL="9525" marR="9525" marT="9525" marB="0" anchor="b"/>
+                </a:tc>
+                <a:tc>
+                  <a:txBody>
+                    <a:bodyPr/>
+                    <a:lstStyle/>
+                    <a:p>
+                      <a:pPr algn="r" fontAlgn="b"/>
+                      <a:r>
+                        <a:rPr lang="fr-FR" sz="1100" u="none" strike="noStrike" dirty="0">
+                          <a:effectLst/>
+                        </a:rPr>
+                        <a:t>90,70</a:t>
+                      </a:r>
+                      <a:endParaRPr lang="fr-FR" sz="1100" b="0" i="0" u="none" strike="noStrike" dirty="0">
+                        <a:solidFill>
+                          <a:srgbClr val="000000"/>
+                        </a:solidFill>
+                        <a:effectLst/>
+                        <a:latin typeface="Arial" panose="020B0604020202020204" pitchFamily="34" charset="0"/>
+                      </a:endParaRPr>
+                    </a:p>
+                  </a:txBody>
+                  <a:tcPr marL="9525" marR="9525" marT="9525" marB="0" anchor="b"/>
+                </a:tc>
+                <a:tc>
+                  <a:txBody>
+                    <a:bodyPr/>
+                    <a:lstStyle/>
+                    <a:p>
+                      <a:pPr algn="r" fontAlgn="b"/>
+                      <a:r>
+                        <a:rPr lang="fr-FR" sz="1100" u="none" strike="noStrike" dirty="0">
+                          <a:effectLst/>
+                        </a:rPr>
+                        <a:t>0</a:t>
+                      </a:r>
+                      <a:endParaRPr lang="fr-FR" sz="1100" b="0" i="0" u="none" strike="noStrike" dirty="0">
+                        <a:solidFill>
+                          <a:srgbClr val="000000"/>
+                        </a:solidFill>
+                        <a:effectLst/>
+                        <a:latin typeface="Arial" panose="020B0604020202020204" pitchFamily="34" charset="0"/>
+                      </a:endParaRPr>
+                    </a:p>
+                  </a:txBody>
+                  <a:tcPr marL="9525" marR="9525" marT="9525" marB="0" anchor="b"/>
+                </a:tc>
+                <a:tc>
+                  <a:txBody>
+                    <a:bodyPr/>
+                    <a:lstStyle/>
+                    <a:p>
+                      <a:pPr algn="r" fontAlgn="b"/>
+                      <a:r>
+                        <a:rPr lang="fr-FR" sz="1100" u="none" strike="noStrike" dirty="0">
+                          <a:effectLst/>
+                        </a:rPr>
+                        <a:t>93,12</a:t>
+                      </a:r>
+                      <a:endParaRPr lang="fr-FR" sz="1100" b="0" i="0" u="none" strike="noStrike" dirty="0">
+                        <a:solidFill>
+                          <a:srgbClr val="000000"/>
+                        </a:solidFill>
+                        <a:effectLst/>
+                        <a:latin typeface="Arial" panose="020B0604020202020204" pitchFamily="34" charset="0"/>
+                      </a:endParaRPr>
+                    </a:p>
+                  </a:txBody>
+                  <a:tcPr marL="9525" marR="9525" marT="9525" marB="0" anchor="b"/>
+                </a:tc>
+                <a:extLst>
+                  <a:ext uri="{0D108BD9-81ED-4DB2-BD59-A6C34878D82A}">
+                    <a16:rowId xmlns:a16="http://schemas.microsoft.com/office/drawing/2014/main" val="465380345"/>
+                  </a:ext>
+                </a:extLst>
+              </a:tr>
+              <a:tr h="161925">
+                <a:tc>
+                  <a:txBody>
+                    <a:bodyPr/>
+                    <a:lstStyle/>
+                    <a:p>
+                      <a:pPr algn="l" fontAlgn="b"/>
+                      <a:r>
+                        <a:rPr lang="fr-FR" sz="1100" u="none" strike="noStrike" dirty="0">
+                          <a:effectLst/>
+                        </a:rPr>
+                        <a:t>Total général</a:t>
+                      </a:r>
+                      <a:endParaRPr lang="fr-FR" sz="1100" b="1" i="0" u="none" strike="noStrike" dirty="0">
+                        <a:solidFill>
+                          <a:srgbClr val="000000"/>
+                        </a:solidFill>
+                        <a:effectLst/>
+                        <a:latin typeface="Arial" panose="020B0604020202020204" pitchFamily="34" charset="0"/>
+                      </a:endParaRPr>
+                    </a:p>
+                  </a:txBody>
+                  <a:tcPr marL="9525" marR="9525" marT="9525" marB="0" anchor="b"/>
+                </a:tc>
+                <a:tc>
+                  <a:txBody>
+                    <a:bodyPr/>
+                    <a:lstStyle/>
+                    <a:p>
+                      <a:pPr algn="r" fontAlgn="b"/>
+                      <a:r>
+                        <a:rPr lang="fr-FR" sz="1100" u="none" strike="noStrike" dirty="0">
+                          <a:effectLst/>
+                        </a:rPr>
+                        <a:t>102,79</a:t>
+                      </a:r>
+                      <a:endParaRPr lang="fr-FR" sz="1100" b="1" i="0" u="none" strike="noStrike" dirty="0">
+                        <a:solidFill>
+                          <a:srgbClr val="000000"/>
+                        </a:solidFill>
+                        <a:effectLst/>
+                        <a:latin typeface="Arial" panose="020B0604020202020204" pitchFamily="34" charset="0"/>
+                      </a:endParaRPr>
+                    </a:p>
+                  </a:txBody>
+                  <a:tcPr marL="9525" marR="9525" marT="9525" marB="0" anchor="b"/>
+                </a:tc>
+                <a:tc>
+                  <a:txBody>
+                    <a:bodyPr/>
+                    <a:lstStyle/>
+                    <a:p>
+                      <a:pPr algn="r" fontAlgn="b"/>
+                      <a:r>
+                        <a:rPr lang="fr-FR" sz="1100" u="none" strike="noStrike" dirty="0">
+                          <a:effectLst/>
+                        </a:rPr>
+                        <a:t>96,82</a:t>
+                      </a:r>
+                      <a:endParaRPr lang="fr-FR" sz="1100" b="1" i="0" u="none" strike="noStrike" dirty="0">
+                        <a:solidFill>
+                          <a:srgbClr val="000000"/>
+                        </a:solidFill>
+                        <a:effectLst/>
+                        <a:latin typeface="Arial" panose="020B0604020202020204" pitchFamily="34" charset="0"/>
+                      </a:endParaRPr>
+                    </a:p>
+                  </a:txBody>
+                  <a:tcPr marL="9525" marR="9525" marT="9525" marB="0" anchor="b"/>
+                </a:tc>
+                <a:tc>
+                  <a:txBody>
+                    <a:bodyPr/>
+                    <a:lstStyle/>
+                    <a:p>
+                      <a:pPr algn="r" fontAlgn="b"/>
+                      <a:r>
+                        <a:rPr lang="fr-FR" sz="1100" u="none" strike="noStrike" dirty="0">
+                          <a:effectLst/>
+                        </a:rPr>
+                        <a:t>105,68</a:t>
+                      </a:r>
+                      <a:endParaRPr lang="fr-FR" sz="1100" b="1" i="0" u="none" strike="noStrike" dirty="0">
+                        <a:solidFill>
+                          <a:srgbClr val="000000"/>
+                        </a:solidFill>
+                        <a:effectLst/>
+                        <a:latin typeface="Arial" panose="020B0604020202020204" pitchFamily="34" charset="0"/>
+                      </a:endParaRPr>
+                    </a:p>
+                  </a:txBody>
+                  <a:tcPr marL="9525" marR="9525" marT="9525" marB="0" anchor="b"/>
+                </a:tc>
+                <a:tc>
+                  <a:txBody>
+                    <a:bodyPr/>
+                    <a:lstStyle/>
+                    <a:p>
+                      <a:pPr algn="r" fontAlgn="b"/>
+                      <a:r>
+                        <a:rPr lang="fr-FR" sz="1100" u="none" strike="noStrike" dirty="0">
+                          <a:effectLst/>
+                        </a:rPr>
+                        <a:t>98,64</a:t>
+                      </a:r>
+                      <a:endParaRPr lang="fr-FR" sz="1100" b="1" i="0" u="none" strike="noStrike" dirty="0">
+                        <a:solidFill>
+                          <a:srgbClr val="000000"/>
+                        </a:solidFill>
+                        <a:effectLst/>
+                        <a:latin typeface="Arial" panose="020B0604020202020204" pitchFamily="34" charset="0"/>
+                      </a:endParaRPr>
+                    </a:p>
+                  </a:txBody>
+                  <a:tcPr marL="9525" marR="9525" marT="9525" marB="0" anchor="b"/>
+                </a:tc>
+                <a:extLst>
+                  <a:ext uri="{0D108BD9-81ED-4DB2-BD59-A6C34878D82A}">
+                    <a16:rowId xmlns:a16="http://schemas.microsoft.com/office/drawing/2014/main" val="2258605197"/>
+                  </a:ext>
+                </a:extLst>
+              </a:tr>
+            </a:tbl>
+          </a:graphicData>
+        </a:graphic>
+      </p:graphicFrame>
+    </p:spTree>
+    <p:extLst>
+      <p:ext uri="{BB962C8B-B14F-4D97-AF65-F5344CB8AC3E}">
+        <p14:creationId xmlns:p14="http://schemas.microsoft.com/office/powerpoint/2010/main" val="655349731"/>
+      </p:ext>
+    </p:extLst>
+  </p:cSld>
+  <p:clrMapOvr>
+    <a:masterClrMapping/>
+  </p:clrMapOvr>
+  <mc:AlternateContent xmlns:mc="http://schemas.openxmlformats.org/markup-compatibility/2006">
+    <mc:Choice xmlns:p14="http://schemas.microsoft.com/office/powerpoint/2010/main" Requires="p14">
+      <p:transition spd="med" p14:dur="700">
+        <p:fade/>
+      </p:transition>
+    </mc:Choice>
+    <mc:Fallback>
+      <p:transition spd="med">
+        <p:fade/>
+      </p:transition>
+    </mc:Fallback>
+  </mc:AlternateContent>
+</p:sld>
+</file>
+
+<file path=ppt/slides/slide15.xml><?xml version="1.0" encoding="utf-8"?>
+<p:sld xmlns:a="http://schemas.openxmlformats.org/drawingml/2006/main" xmlns:r="http://schemas.openxmlformats.org/officeDocument/2006/relationships" xmlns:p="http://schemas.openxmlformats.org/presentationml/2006/main">
+  <p:cSld>
+    <p:spTree>
+      <p:nvGrpSpPr>
+        <p:cNvPr id="1" name=""/>
+        <p:cNvGrpSpPr/>
+        <p:nvPr/>
+      </p:nvGrpSpPr>
+      <p:grpSpPr>
+        <a:xfrm>
+          <a:off x="0" y="0"/>
+          <a:ext cx="0" cy="0"/>
+          <a:chOff x="0" y="0"/>
+          <a:chExt cx="0" cy="0"/>
+        </a:xfrm>
+      </p:grpSpPr>
+      <p:sp>
+        <p:nvSpPr>
+          <p:cNvPr id="2" name="Titre 1">
+            <a:extLst>
+              <a:ext uri="{FF2B5EF4-FFF2-40B4-BE49-F238E27FC236}">
+                <a16:creationId xmlns:a16="http://schemas.microsoft.com/office/drawing/2014/main" id="{9FD5754E-0FDF-2C55-12AD-697FFCA1162F}"/>
+              </a:ext>
+            </a:extLst>
+          </p:cNvPr>
+          <p:cNvSpPr>
+            <a:spLocks noGrp="1"/>
+          </p:cNvSpPr>
+          <p:nvPr>
+            <p:ph type="title"/>
+          </p:nvPr>
+        </p:nvSpPr>
+        <p:spPr>
+          <a:xfrm>
+            <a:off x="913795" y="609600"/>
+            <a:ext cx="10353762" cy="1261872"/>
+          </a:xfrm>
+        </p:spPr>
+        <p:txBody>
+          <a:bodyPr anchor="ctr">
+            <a:normAutofit/>
+          </a:bodyPr>
+          <a:lstStyle/>
+          <a:p>
+            <a:r>
+              <a:rPr lang="fr-FR" dirty="0"/>
+              <a:t>Les analyses</a:t>
+            </a:r>
+          </a:p>
+        </p:txBody>
+      </p:sp>
+      <p:pic>
+        <p:nvPicPr>
+          <p:cNvPr id="8" name="Image 7">
+            <a:extLst>
+              <a:ext uri="{FF2B5EF4-FFF2-40B4-BE49-F238E27FC236}">
+                <a16:creationId xmlns:a16="http://schemas.microsoft.com/office/drawing/2014/main" id="{4DC5CC23-3584-9178-544B-7236C70295F6}"/>
+              </a:ext>
+            </a:extLst>
+          </p:cNvPr>
+          <p:cNvPicPr>
+            <a:picLocks noChangeAspect="1"/>
+          </p:cNvPicPr>
+          <p:nvPr/>
+        </p:nvPicPr>
+        <p:blipFill>
+          <a:blip r:embed="rId2"/>
+          <a:stretch>
+            <a:fillRect/>
+          </a:stretch>
+        </p:blipFill>
+        <p:spPr>
+          <a:xfrm>
+            <a:off x="474714" y="2301160"/>
+            <a:ext cx="6773330" cy="3352799"/>
+          </a:xfrm>
+          <a:prstGeom prst="rect">
+            <a:avLst/>
+          </a:prstGeom>
+          <a:noFill/>
+        </p:spPr>
+      </p:pic>
+      <p:pic>
+        <p:nvPicPr>
+          <p:cNvPr id="10" name="Espace réservé du contenu 9">
+            <a:extLst>
+              <a:ext uri="{FF2B5EF4-FFF2-40B4-BE49-F238E27FC236}">
+                <a16:creationId xmlns:a16="http://schemas.microsoft.com/office/drawing/2014/main" id="{272FA4E9-65C6-CE89-1423-319A52D8DEE8}"/>
+              </a:ext>
+            </a:extLst>
+          </p:cNvPr>
+          <p:cNvPicPr>
+            <a:picLocks noGrp="1" noChangeAspect="1"/>
+          </p:cNvPicPr>
+          <p:nvPr>
+            <p:ph sz="half" idx="2"/>
+          </p:nvPr>
+        </p:nvPicPr>
+        <p:blipFill rotWithShape="1">
+          <a:blip r:embed="rId3">
+            <a:extLst>
+              <a:ext uri="{BEBA8EAE-BF5A-486C-A8C5-ECC9F3942E4B}">
+                <a14:imgProps xmlns:a14="http://schemas.microsoft.com/office/drawing/2010/main">
+                  <a14:imgLayer r:embed="rId4">
+                    <a14:imgEffect>
+                      <a14:brightnessContrast bright="100000"/>
+                    </a14:imgEffect>
+                  </a14:imgLayer>
+                </a14:imgProps>
+              </a:ext>
+              <a:ext uri="{28A0092B-C50C-407E-A947-70E740481C1C}">
+                <a14:useLocalDpi xmlns:a14="http://schemas.microsoft.com/office/drawing/2010/main" val="0"/>
+              </a:ext>
+            </a:extLst>
+          </a:blip>
+          <a:srcRect l="13409" t="-1577" r="10824" b="16827"/>
+          <a:stretch/>
+        </p:blipFill>
+        <p:spPr>
+          <a:xfrm>
+            <a:off x="9942685" y="2462022"/>
+            <a:ext cx="1542701" cy="1725612"/>
+          </a:xfrm>
+        </p:spPr>
+      </p:pic>
+      <p:sp>
+        <p:nvSpPr>
+          <p:cNvPr id="4" name="Espace réservé du numéro de diapositive 3">
+            <a:extLst>
+              <a:ext uri="{FF2B5EF4-FFF2-40B4-BE49-F238E27FC236}">
+                <a16:creationId xmlns:a16="http://schemas.microsoft.com/office/drawing/2014/main" id="{85E24B14-D545-5014-A9C1-3CAC57841C4D}"/>
+              </a:ext>
+            </a:extLst>
+          </p:cNvPr>
+          <p:cNvSpPr>
+            <a:spLocks noGrp="1"/>
+          </p:cNvSpPr>
+          <p:nvPr>
+            <p:ph type="sldNum" sz="quarter" idx="12"/>
+          </p:nvPr>
+        </p:nvSpPr>
+        <p:spPr>
+          <a:xfrm>
+            <a:off x="10514011" y="6000749"/>
+            <a:ext cx="753545" cy="365125"/>
+          </a:xfrm>
+        </p:spPr>
+        <p:txBody>
+          <a:bodyPr anchor="ctr">
+            <a:normAutofit/>
+          </a:bodyPr>
+          <a:lstStyle/>
+          <a:p>
+            <a:pPr rtl="0">
+              <a:spcAft>
+                <a:spcPts val="600"/>
+              </a:spcAft>
+            </a:pPr>
+            <a:fld id="{3A98EE3D-8CD1-4C3F-BD1C-C98C9596463C}" type="slidenum">
+              <a:rPr lang="en-US" smtClean="0"/>
+              <a:pPr rtl="0">
+                <a:spcAft>
+                  <a:spcPts val="600"/>
+                </a:spcAft>
+              </a:pPr>
+              <a:t>15</a:t>
+            </a:fld>
+            <a:endParaRPr lang="en-US"/>
+          </a:p>
+        </p:txBody>
+      </p:sp>
+      <p:pic>
+        <p:nvPicPr>
+          <p:cNvPr id="11" name="Image 10">
+            <a:extLst>
+              <a:ext uri="{FF2B5EF4-FFF2-40B4-BE49-F238E27FC236}">
+                <a16:creationId xmlns:a16="http://schemas.microsoft.com/office/drawing/2014/main" id="{79C84E36-962F-9CAE-C267-6129D2F7EAB2}"/>
+              </a:ext>
+            </a:extLst>
+          </p:cNvPr>
+          <p:cNvPicPr>
+            <a:picLocks noChangeAspect="1"/>
+          </p:cNvPicPr>
+          <p:nvPr/>
+        </p:nvPicPr>
+        <p:blipFill rotWithShape="1">
+          <a:blip r:embed="rId5">
+            <a:extLst>
+              <a:ext uri="{BEBA8EAE-BF5A-486C-A8C5-ECC9F3942E4B}">
+                <a14:imgProps xmlns:a14="http://schemas.microsoft.com/office/drawing/2010/main">
+                  <a14:imgLayer r:embed="rId6">
+                    <a14:imgEffect>
+                      <a14:brightnessContrast bright="100000"/>
+                    </a14:imgEffect>
+                  </a14:imgLayer>
+                </a14:imgProps>
+              </a:ext>
+              <a:ext uri="{28A0092B-C50C-407E-A947-70E740481C1C}">
+                <a14:useLocalDpi xmlns:a14="http://schemas.microsoft.com/office/drawing/2010/main" val="0"/>
+              </a:ext>
+            </a:extLst>
+          </a:blip>
+          <a:srcRect b="27009"/>
+          <a:stretch/>
+        </p:blipFill>
+        <p:spPr>
+          <a:xfrm>
+            <a:off x="7954447" y="4319098"/>
+            <a:ext cx="1828800" cy="1334861"/>
+          </a:xfrm>
+          <a:prstGeom prst="rect">
+            <a:avLst/>
+          </a:prstGeom>
+        </p:spPr>
+      </p:pic>
+    </p:spTree>
+    <p:extLst>
+      <p:ext uri="{BB962C8B-B14F-4D97-AF65-F5344CB8AC3E}">
+        <p14:creationId xmlns:p14="http://schemas.microsoft.com/office/powerpoint/2010/main" val="2102304801"/>
+      </p:ext>
+    </p:extLst>
+  </p:cSld>
+  <p:clrMapOvr>
+    <a:masterClrMapping/>
+  </p:clrMapOvr>
+  <mc:AlternateContent xmlns:mc="http://schemas.openxmlformats.org/markup-compatibility/2006">
+    <mc:Choice xmlns:p14="http://schemas.microsoft.com/office/powerpoint/2010/main" Requires="p14">
+      <p:transition spd="med" p14:dur="700">
+        <p:fade/>
+      </p:transition>
+    </mc:Choice>
+    <mc:Fallback>
+      <p:transition spd="med">
+        <p:fade/>
+      </p:transition>
+    </mc:Fallback>
+  </mc:AlternateContent>
+</p:sld>
+</file>
+
+<file path=ppt/slides/slide16.xml><?xml version="1.0" encoding="utf-8"?>
+<p:sld xmlns:a="http://schemas.openxmlformats.org/drawingml/2006/main" xmlns:r="http://schemas.openxmlformats.org/officeDocument/2006/relationships" xmlns:p="http://schemas.openxmlformats.org/presentationml/2006/main">
+  <p:cSld>
+    <p:spTree>
+      <p:nvGrpSpPr>
+        <p:cNvPr id="1" name=""/>
+        <p:cNvGrpSpPr/>
+        <p:nvPr/>
+      </p:nvGrpSpPr>
+      <p:grpSpPr>
+        <a:xfrm>
+          <a:off x="0" y="0"/>
+          <a:ext cx="0" cy="0"/>
+          <a:chOff x="0" y="0"/>
+          <a:chExt cx="0" cy="0"/>
+        </a:xfrm>
+      </p:grpSpPr>
+      <p:sp>
+        <p:nvSpPr>
+          <p:cNvPr id="10" name="Espace réservé du contenu 2">
+            <a:extLst>
+              <a:ext uri="{FF2B5EF4-FFF2-40B4-BE49-F238E27FC236}">
+                <a16:creationId xmlns:a16="http://schemas.microsoft.com/office/drawing/2014/main" id="{1AB868D7-EA38-6A80-EAC3-4F19A2A45C77}"/>
+              </a:ext>
+            </a:extLst>
+          </p:cNvPr>
+          <p:cNvSpPr txBox="1">
+            <a:spLocks/>
+          </p:cNvSpPr>
+          <p:nvPr/>
+        </p:nvSpPr>
+        <p:spPr>
+          <a:xfrm>
+            <a:off x="913794" y="2388552"/>
+            <a:ext cx="10353762" cy="3714749"/>
+          </a:xfrm>
+          <a:prstGeom prst="rect">
+            <a:avLst/>
+          </a:prstGeom>
+          <a:effectLst>
+            <a:outerShdw blurRad="25400" dir="17880000">
+              <a:srgbClr val="000000">
+                <a:alpha val="46000"/>
+              </a:srgbClr>
+            </a:outerShdw>
+          </a:effectLst>
+        </p:spPr>
+        <p:txBody>
+          <a:bodyPr vert="horz" lIns="91440" tIns="45720" rIns="91440" bIns="45720" rtlCol="0" anchor="t">
+            <a:normAutofit/>
+          </a:bodyPr>
+          <a:lstStyle>
+            <a:lvl1pPr marL="342900" indent="-306000" algn="l" defTabSz="457200" rtl="0" eaLnBrk="1" latinLnBrk="0" hangingPunct="1">
+              <a:lnSpc>
+                <a:spcPct val="110000"/>
+              </a:lnSpc>
+              <a:spcBef>
+                <a:spcPct val="20000"/>
+              </a:spcBef>
+              <a:spcAft>
+                <a:spcPts val="600"/>
+              </a:spcAft>
+              <a:buClr>
+                <a:schemeClr val="tx2"/>
+              </a:buClr>
+              <a:buSzPct val="70000"/>
+              <a:buFont typeface="Wingdings 2" charset="2"/>
+              <a:buChar char=""/>
+              <a:defRPr sz="2300" kern="1200">
+                <a:ln>
+                  <a:solidFill>
+                    <a:schemeClr val="bg1">
+                      <a:lumMod val="75000"/>
+                      <a:lumOff val="25000"/>
+                      <a:alpha val="10000"/>
+                    </a:schemeClr>
+                  </a:solidFill>
+                </a:ln>
+                <a:solidFill>
+                  <a:schemeClr val="tx2"/>
+                </a:solidFill>
+                <a:effectLst>
+                  <a:outerShdw blurRad="9525" dist="25400" dir="14640000" algn="tl" rotWithShape="0">
+                    <a:schemeClr val="bg1">
+                      <a:alpha val="30000"/>
+                    </a:schemeClr>
+                  </a:outerShdw>
+                </a:effectLst>
+                <a:latin typeface="+mn-lt"/>
+                <a:ea typeface="+mn-ea"/>
+                <a:cs typeface="+mn-cs"/>
+              </a:defRPr>
+            </a:lvl1pPr>
+            <a:lvl2pPr marL="720000" indent="-270000" algn="l" defTabSz="457200" rtl="0" eaLnBrk="1" latinLnBrk="0" hangingPunct="1">
+              <a:spcBef>
+                <a:spcPct val="20000"/>
+              </a:spcBef>
+              <a:spcAft>
+                <a:spcPts val="600"/>
+              </a:spcAft>
+              <a:buClr>
+                <a:schemeClr val="tx2"/>
+              </a:buClr>
+              <a:buSzPct val="70000"/>
+              <a:buFont typeface="Wingdings 2" charset="2"/>
+              <a:buChar char=""/>
+              <a:defRPr sz="2100" kern="1200">
+                <a:ln>
+                  <a:solidFill>
+                    <a:schemeClr val="bg1">
+                      <a:lumMod val="75000"/>
+                      <a:lumOff val="25000"/>
+                      <a:alpha val="10000"/>
+                    </a:schemeClr>
+                  </a:solidFill>
+                </a:ln>
+                <a:solidFill>
+                  <a:schemeClr val="tx2"/>
+                </a:solidFill>
+                <a:effectLst>
+                  <a:outerShdw blurRad="9525" dist="25400" dir="14640000" algn="tl" rotWithShape="0">
+                    <a:schemeClr val="bg1">
+                      <a:alpha val="30000"/>
+                    </a:schemeClr>
+                  </a:outerShdw>
+                </a:effectLst>
+                <a:latin typeface="+mn-lt"/>
+                <a:ea typeface="+mn-ea"/>
+                <a:cs typeface="+mn-cs"/>
+              </a:defRPr>
+            </a:lvl2pPr>
+            <a:lvl3pPr marL="1026000" indent="-216000" algn="l" defTabSz="457200" rtl="0" eaLnBrk="1" latinLnBrk="0" hangingPunct="1">
+              <a:spcBef>
+                <a:spcPct val="20000"/>
+              </a:spcBef>
+              <a:spcAft>
+                <a:spcPts val="600"/>
+              </a:spcAft>
+              <a:buClr>
+                <a:schemeClr val="tx2"/>
+              </a:buClr>
+              <a:buSzPct val="70000"/>
+              <a:buFont typeface="Wingdings 2" charset="2"/>
+              <a:buChar char=""/>
+              <a:defRPr sz="1800" kern="1200">
+                <a:ln>
+                  <a:solidFill>
+                    <a:schemeClr val="bg1">
+                      <a:lumMod val="75000"/>
+                      <a:lumOff val="25000"/>
+                      <a:alpha val="10000"/>
+                    </a:schemeClr>
+                  </a:solidFill>
+                </a:ln>
+                <a:solidFill>
+                  <a:schemeClr val="tx2"/>
+                </a:solidFill>
+                <a:effectLst>
+                  <a:outerShdw blurRad="9525" dist="25400" dir="14640000" algn="tl" rotWithShape="0">
+                    <a:schemeClr val="bg1">
+                      <a:alpha val="30000"/>
+                    </a:schemeClr>
+                  </a:outerShdw>
+                </a:effectLst>
+                <a:latin typeface="+mn-lt"/>
+                <a:ea typeface="+mn-ea"/>
+                <a:cs typeface="+mn-cs"/>
+              </a:defRPr>
+            </a:lvl3pPr>
+            <a:lvl4pPr marL="1386000" indent="-216000" algn="l" defTabSz="457200" rtl="0" eaLnBrk="1" latinLnBrk="0" hangingPunct="1">
+              <a:spcBef>
+                <a:spcPct val="20000"/>
+              </a:spcBef>
+              <a:spcAft>
+                <a:spcPts val="600"/>
+              </a:spcAft>
+              <a:buClr>
+                <a:schemeClr val="tx2"/>
+              </a:buClr>
+              <a:buSzPct val="70000"/>
+              <a:buFont typeface="Wingdings 2" charset="2"/>
+              <a:buChar char=""/>
+              <a:defRPr sz="1600" kern="1200">
+                <a:ln>
+                  <a:solidFill>
+                    <a:schemeClr val="bg1">
+                      <a:lumMod val="75000"/>
+                      <a:lumOff val="25000"/>
+                      <a:alpha val="10000"/>
+                    </a:schemeClr>
+                  </a:solidFill>
+                </a:ln>
+                <a:solidFill>
+                  <a:schemeClr val="tx2"/>
+                </a:solidFill>
+                <a:effectLst>
+                  <a:outerShdw blurRad="9525" dist="25400" dir="14640000" algn="tl" rotWithShape="0">
+                    <a:schemeClr val="bg1">
+                      <a:alpha val="30000"/>
+                    </a:schemeClr>
+                  </a:outerShdw>
+                </a:effectLst>
+                <a:latin typeface="+mn-lt"/>
+                <a:ea typeface="+mn-ea"/>
+                <a:cs typeface="+mn-cs"/>
+              </a:defRPr>
+            </a:lvl4pPr>
+            <a:lvl5pPr marL="1674000" indent="-216000" algn="l" defTabSz="457200" rtl="0" eaLnBrk="1" latinLnBrk="0" hangingPunct="1">
+              <a:spcBef>
+                <a:spcPct val="20000"/>
+              </a:spcBef>
+              <a:spcAft>
+                <a:spcPts val="600"/>
+              </a:spcAft>
+              <a:buClr>
+                <a:schemeClr val="tx2"/>
+              </a:buClr>
+              <a:buSzPct val="70000"/>
+              <a:buFont typeface="Wingdings 2" charset="2"/>
+              <a:buChar char=""/>
+              <a:defRPr sz="1600" kern="1200">
+                <a:ln>
+                  <a:solidFill>
+                    <a:schemeClr val="bg1">
+                      <a:lumMod val="75000"/>
+                      <a:lumOff val="25000"/>
+                      <a:alpha val="10000"/>
+                    </a:schemeClr>
+                  </a:solidFill>
+                </a:ln>
+                <a:solidFill>
+                  <a:schemeClr val="tx2"/>
+                </a:solidFill>
+                <a:effectLst>
+                  <a:outerShdw blurRad="9525" dist="25400" dir="14640000" algn="tl" rotWithShape="0">
+                    <a:schemeClr val="bg1">
+                      <a:alpha val="30000"/>
+                    </a:schemeClr>
+                  </a:outerShdw>
+                </a:effectLst>
+                <a:latin typeface="+mn-lt"/>
+                <a:ea typeface="+mn-ea"/>
+                <a:cs typeface="+mn-cs"/>
+              </a:defRPr>
+            </a:lvl5pPr>
+            <a:lvl6pPr marL="2014600" indent="-228600" algn="l" defTabSz="457200" rtl="0" eaLnBrk="1" latinLnBrk="0" hangingPunct="1">
+              <a:spcBef>
+                <a:spcPct val="20000"/>
+              </a:spcBef>
+              <a:spcAft>
+                <a:spcPts val="600"/>
+              </a:spcAft>
+              <a:buClr>
+                <a:schemeClr val="tx2"/>
+              </a:buClr>
+              <a:buSzPct val="70000"/>
+              <a:buFont typeface="Wingdings 2" charset="2"/>
+              <a:buChar char=""/>
+              <a:defRPr sz="1400" kern="1200">
+                <a:ln>
+                  <a:solidFill>
+                    <a:schemeClr val="bg1">
+                      <a:lumMod val="75000"/>
+                      <a:lumOff val="25000"/>
+                      <a:alpha val="10000"/>
+                    </a:schemeClr>
+                  </a:solidFill>
+                </a:ln>
+                <a:solidFill>
+                  <a:schemeClr val="tx2"/>
+                </a:solidFill>
+                <a:effectLst>
+                  <a:outerShdw blurRad="9525" dist="25400" dir="14640000" algn="tl" rotWithShape="0">
+                    <a:schemeClr val="bg1">
+                      <a:alpha val="30000"/>
+                    </a:schemeClr>
+                  </a:outerShdw>
+                </a:effectLst>
+                <a:latin typeface="+mn-lt"/>
+                <a:ea typeface="+mn-ea"/>
+                <a:cs typeface="+mn-cs"/>
+              </a:defRPr>
+            </a:lvl6pPr>
+            <a:lvl7pPr marL="2401800" indent="-228600" algn="l" defTabSz="457200" rtl="0" eaLnBrk="1" latinLnBrk="0" hangingPunct="1">
+              <a:spcBef>
+                <a:spcPct val="20000"/>
+              </a:spcBef>
+              <a:spcAft>
+                <a:spcPts val="600"/>
+              </a:spcAft>
+              <a:buClr>
+                <a:schemeClr val="tx2"/>
+              </a:buClr>
+              <a:buSzPct val="70000"/>
+              <a:buFont typeface="Wingdings 2" charset="2"/>
+              <a:buChar char=""/>
+              <a:defRPr sz="1400" kern="1200">
+                <a:ln>
+                  <a:solidFill>
+                    <a:schemeClr val="bg1">
+                      <a:lumMod val="75000"/>
+                      <a:lumOff val="25000"/>
+                      <a:alpha val="10000"/>
+                    </a:schemeClr>
+                  </a:solidFill>
+                </a:ln>
+                <a:solidFill>
+                  <a:schemeClr val="tx2"/>
+                </a:solidFill>
+                <a:effectLst>
+                  <a:outerShdw blurRad="9525" dist="25400" dir="14640000" algn="tl" rotWithShape="0">
+                    <a:schemeClr val="bg1">
+                      <a:alpha val="30000"/>
+                    </a:schemeClr>
+                  </a:outerShdw>
+                </a:effectLst>
+                <a:latin typeface="+mn-lt"/>
+                <a:ea typeface="+mn-ea"/>
+                <a:cs typeface="+mn-cs"/>
+              </a:defRPr>
+            </a:lvl7pPr>
+            <a:lvl8pPr marL="2789000" indent="-228600" algn="l" defTabSz="457200" rtl="0" eaLnBrk="1" latinLnBrk="0" hangingPunct="1">
+              <a:spcBef>
+                <a:spcPct val="20000"/>
+              </a:spcBef>
+              <a:spcAft>
+                <a:spcPts val="600"/>
+              </a:spcAft>
+              <a:buClr>
+                <a:schemeClr val="tx2"/>
+              </a:buClr>
+              <a:buSzPct val="70000"/>
+              <a:buFont typeface="Wingdings 2" charset="2"/>
+              <a:buChar char=""/>
+              <a:defRPr sz="1400" kern="1200">
+                <a:ln>
+                  <a:solidFill>
+                    <a:schemeClr val="bg1">
+                      <a:lumMod val="75000"/>
+                      <a:lumOff val="25000"/>
+                      <a:alpha val="10000"/>
+                    </a:schemeClr>
+                  </a:solidFill>
+                </a:ln>
+                <a:solidFill>
+                  <a:schemeClr val="tx2"/>
+                </a:solidFill>
+                <a:effectLst>
+                  <a:outerShdw blurRad="9525" dist="25400" dir="14640000" algn="tl" rotWithShape="0">
+                    <a:schemeClr val="bg1">
+                      <a:alpha val="30000"/>
+                    </a:schemeClr>
+                  </a:outerShdw>
+                </a:effectLst>
+                <a:latin typeface="+mn-lt"/>
+                <a:ea typeface="+mn-ea"/>
+                <a:cs typeface="+mn-cs"/>
+              </a:defRPr>
+            </a:lvl8pPr>
+            <a:lvl9pPr marL="3106200" indent="-228600" algn="l" defTabSz="457200" rtl="0" eaLnBrk="1" latinLnBrk="0" hangingPunct="1">
+              <a:spcBef>
+                <a:spcPct val="20000"/>
+              </a:spcBef>
+              <a:spcAft>
+                <a:spcPts val="600"/>
+              </a:spcAft>
+              <a:buClr>
+                <a:schemeClr val="tx2"/>
+              </a:buClr>
+              <a:buSzPct val="70000"/>
+              <a:buFont typeface="Wingdings 2" charset="2"/>
+              <a:buChar char=""/>
+              <a:defRPr sz="1400" kern="1200">
+                <a:ln>
+                  <a:solidFill>
+                    <a:schemeClr val="bg1">
+                      <a:lumMod val="75000"/>
+                      <a:lumOff val="25000"/>
+                      <a:alpha val="10000"/>
+                    </a:schemeClr>
+                  </a:solidFill>
+                </a:ln>
+                <a:solidFill>
+                  <a:schemeClr val="tx2"/>
+                </a:solidFill>
+                <a:effectLst>
+                  <a:outerShdw blurRad="9525" dist="25400" dir="14640000" algn="tl" rotWithShape="0">
+                    <a:schemeClr val="bg1">
+                      <a:alpha val="30000"/>
+                    </a:schemeClr>
+                  </a:outerShdw>
+                </a:effectLst>
+                <a:latin typeface="+mn-lt"/>
+                <a:ea typeface="+mn-ea"/>
+                <a:cs typeface="+mn-cs"/>
+              </a:defRPr>
+            </a:lvl9pPr>
+          </a:lstStyle>
+          <a:p>
+            <a:r>
+              <a:rPr lang="fr-FR" sz="1800" dirty="0"/>
+              <a:t>Entre typologie d’habitats des collectivités ? </a:t>
+            </a:r>
+          </a:p>
+          <a:p>
+            <a:r>
+              <a:rPr lang="fr-FR" sz="1800" dirty="0"/>
+              <a:t>Entre dispositifs existants ?</a:t>
+            </a:r>
+          </a:p>
+          <a:p>
+            <a:r>
+              <a:rPr lang="fr-FR" sz="1800" dirty="0"/>
+              <a:t>Observe-t-on des différences entre typologies de collectivités ?</a:t>
+            </a:r>
+          </a:p>
+          <a:p>
+            <a:r>
+              <a:rPr lang="fr-FR" sz="1800" dirty="0"/>
+              <a:t>Quels seraient d’après vous les autres facteurs susceptibles d’influencer sur la réussite de la collecte séparée ?</a:t>
+            </a:r>
+          </a:p>
+          <a:p>
+            <a:endParaRPr lang="fr-FR" sz="1800" dirty="0"/>
+          </a:p>
+          <a:p>
+            <a:pPr marL="36900" indent="0">
+              <a:buNone/>
+            </a:pPr>
+            <a:r>
+              <a:rPr lang="fr-FR" sz="2000" b="1" dirty="0"/>
+              <a:t>Problématique : Quels facteurs clés contribuent à l'efficacité et encouragent la collecte des biodéchets dans différentes collectivités ?</a:t>
+            </a:r>
+          </a:p>
+          <a:p>
+            <a:pPr marL="36900" indent="0">
+              <a:buNone/>
+            </a:pPr>
+            <a:endParaRPr lang="fr-FR" sz="1800" dirty="0"/>
+          </a:p>
+        </p:txBody>
+      </p:sp>
+      <p:sp>
+        <p:nvSpPr>
+          <p:cNvPr id="2" name="Titre 1">
+            <a:extLst>
+              <a:ext uri="{FF2B5EF4-FFF2-40B4-BE49-F238E27FC236}">
+                <a16:creationId xmlns:a16="http://schemas.microsoft.com/office/drawing/2014/main" id="{3779C413-8568-5B76-EBE4-A2286DB077F6}"/>
+              </a:ext>
+            </a:extLst>
+          </p:cNvPr>
+          <p:cNvSpPr>
+            <a:spLocks noGrp="1"/>
+          </p:cNvSpPr>
+          <p:nvPr>
+            <p:ph type="title"/>
+          </p:nvPr>
+        </p:nvSpPr>
+        <p:spPr>
+          <a:xfrm>
+            <a:off x="913795" y="609600"/>
+            <a:ext cx="10353762" cy="1261872"/>
+          </a:xfrm>
+        </p:spPr>
+        <p:txBody>
+          <a:bodyPr anchor="ctr">
+            <a:normAutofit/>
+          </a:bodyPr>
+          <a:lstStyle/>
+          <a:p>
+            <a:r>
+              <a:rPr lang="fr-FR" dirty="0"/>
+              <a:t>Conclusion</a:t>
+            </a:r>
           </a:p>
         </p:txBody>
       </p:sp>
@@ -6974,20 +10417,124 @@
             <p:ph type="sldNum" sz="quarter" idx="12"/>
           </p:nvPr>
         </p:nvSpPr>
-        <p:spPr/>
+        <p:spPr>
+          <a:xfrm>
+            <a:off x="10514011" y="6000749"/>
+            <a:ext cx="753545" cy="365125"/>
+          </a:xfrm>
+        </p:spPr>
         <p:txBody>
-          <a:bodyPr/>
+          <a:bodyPr anchor="ctr">
+            <a:normAutofit/>
+          </a:bodyPr>
           <a:lstStyle/>
           <a:p>
-            <a:pPr rtl="0"/>
+            <a:pPr rtl="0">
+              <a:spcAft>
+                <a:spcPts val="600"/>
+              </a:spcAft>
+            </a:pPr>
             <a:fld id="{3A98EE3D-8CD1-4C3F-BD1C-C98C9596463C}" type="slidenum">
               <a:rPr lang="en-US" smtClean="0"/>
-              <a:t>10</a:t>
+              <a:pPr rtl="0">
+                <a:spcAft>
+                  <a:spcPts val="600"/>
+                </a:spcAft>
+              </a:pPr>
+              <a:t>16</a:t>
             </a:fld>
-            <a:endParaRPr lang="en-US" dirty="0"/>
+            <a:endParaRPr lang="en-US"/>
           </a:p>
         </p:txBody>
       </p:sp>
+      <p:pic>
+        <p:nvPicPr>
+          <p:cNvPr id="11" name="Image 10">
+            <a:extLst>
+              <a:ext uri="{FF2B5EF4-FFF2-40B4-BE49-F238E27FC236}">
+                <a16:creationId xmlns:a16="http://schemas.microsoft.com/office/drawing/2014/main" id="{F4FFD784-0F64-E3A7-4296-4B4D5152A374}"/>
+              </a:ext>
+            </a:extLst>
+          </p:cNvPr>
+          <p:cNvPicPr>
+            <a:picLocks noChangeAspect="1"/>
+          </p:cNvPicPr>
+          <p:nvPr/>
+        </p:nvPicPr>
+        <p:blipFill rotWithShape="1">
+          <a:blip r:embed="rId2">
+            <a:extLst>
+              <a:ext uri="{BEBA8EAE-BF5A-486C-A8C5-ECC9F3942E4B}">
+                <a14:imgProps xmlns:a14="http://schemas.microsoft.com/office/drawing/2010/main">
+                  <a14:imgLayer r:embed="rId3">
+                    <a14:imgEffect>
+                      <a14:brightnessContrast bright="100000"/>
+                    </a14:imgEffect>
+                  </a14:imgLayer>
+                </a14:imgProps>
+              </a:ext>
+              <a:ext uri="{28A0092B-C50C-407E-A947-70E740481C1C}">
+                <a14:useLocalDpi xmlns:a14="http://schemas.microsoft.com/office/drawing/2010/main" val="0"/>
+              </a:ext>
+            </a:extLst>
+          </a:blip>
+          <a:srcRect b="27009"/>
+          <a:stretch/>
+        </p:blipFill>
+        <p:spPr>
+          <a:xfrm>
+            <a:off x="9792772" y="754699"/>
+            <a:ext cx="1828800" cy="1334861"/>
+          </a:xfrm>
+          <a:prstGeom prst="rect">
+            <a:avLst/>
+          </a:prstGeom>
+        </p:spPr>
+      </p:pic>
+      <p:pic>
+        <p:nvPicPr>
+          <p:cNvPr id="12" name="Image 11">
+            <a:extLst>
+              <a:ext uri="{FF2B5EF4-FFF2-40B4-BE49-F238E27FC236}">
+                <a16:creationId xmlns:a16="http://schemas.microsoft.com/office/drawing/2014/main" id="{D04AB4EF-9568-ABB7-F6F3-80A6A9CCE8E5}"/>
+              </a:ext>
+            </a:extLst>
+          </p:cNvPr>
+          <p:cNvPicPr>
+            <a:picLocks noChangeAspect="1"/>
+          </p:cNvPicPr>
+          <p:nvPr/>
+        </p:nvPicPr>
+        <p:blipFill rotWithShape="1">
+          <a:blip r:embed="rId4">
+            <a:extLst>
+              <a:ext uri="{BEBA8EAE-BF5A-486C-A8C5-ECC9F3942E4B}">
+                <a14:imgProps xmlns:a14="http://schemas.microsoft.com/office/drawing/2010/main">
+                  <a14:imgLayer r:embed="rId5">
+                    <a14:imgEffect>
+                      <a14:brightnessContrast bright="100000"/>
+                    </a14:imgEffect>
+                  </a14:imgLayer>
+                </a14:imgProps>
+              </a:ext>
+              <a:ext uri="{28A0092B-C50C-407E-A947-70E740481C1C}">
+                <a14:useLocalDpi xmlns:a14="http://schemas.microsoft.com/office/drawing/2010/main" val="0"/>
+              </a:ext>
+            </a:extLst>
+          </a:blip>
+          <a:srcRect t="18286" b="29002"/>
+          <a:stretch/>
+        </p:blipFill>
+        <p:spPr>
+          <a:xfrm>
+            <a:off x="328101" y="754699"/>
+            <a:ext cx="2295007" cy="1209737"/>
+          </a:xfrm>
+          <a:prstGeom prst="rect">
+            <a:avLst/>
+          </a:prstGeom>
+        </p:spPr>
+      </p:pic>
     </p:spTree>
     <p:extLst>
       <p:ext uri="{BB962C8B-B14F-4D97-AF65-F5344CB8AC3E}">
@@ -6998,10 +10545,22 @@
   <p:clrMapOvr>
     <a:masterClrMapping/>
   </p:clrMapOvr>
+  <mc:AlternateContent xmlns:mc="http://schemas.openxmlformats.org/markup-compatibility/2006">
+    <mc:Choice xmlns:p14="http://schemas.microsoft.com/office/powerpoint/2010/main" Requires="p14">
+      <p:transition spd="med" p14:dur="700">
+        <p:fade/>
+      </p:transition>
+    </mc:Choice>
+    <mc:Fallback>
+      <p:transition spd="med">
+        <p:fade/>
+      </p:transition>
+    </mc:Fallback>
+  </mc:AlternateContent>
 </p:sld>
 </file>
 
-<file path=ppt/slides/slide11.xml><?xml version="1.0" encoding="utf-8"?>
+<file path=ppt/slides/slide17.xml><?xml version="1.0" encoding="utf-8"?>
 <p:sld xmlns:a="http://schemas.openxmlformats.org/drawingml/2006/main" xmlns:r="http://schemas.openxmlformats.org/officeDocument/2006/relationships" xmlns:p="http://schemas.openxmlformats.org/presentationml/2006/main">
   <p:cSld>
     <p:spTree>
@@ -7034,24 +10593,31 @@
             <p:ph type="title"/>
           </p:nvPr>
         </p:nvSpPr>
-        <p:spPr/>
+        <p:spPr>
+          <a:xfrm>
+            <a:off x="913795" y="609600"/>
+            <a:ext cx="10353762" cy="1261872"/>
+          </a:xfrm>
+        </p:spPr>
         <p:txBody>
-          <a:bodyPr/>
+          <a:bodyPr anchor="ctr">
+            <a:normAutofit/>
+          </a:bodyPr>
           <a:lstStyle/>
           <a:p>
             <a:r>
               <a:rPr lang="fr-FR" dirty="0"/>
-              <a:t>Ouverture : Amélioration questionnaire</a:t>
+              <a:t>Ouverture : Amélioration du questionnaire</a:t>
             </a:r>
           </a:p>
         </p:txBody>
       </p:sp>
       <p:sp>
         <p:nvSpPr>
-          <p:cNvPr id="3" name="Espace réservé du contenu 2">
+          <p:cNvPr id="13" name="Content Placeholder 2">
             <a:extLst>
               <a:ext uri="{FF2B5EF4-FFF2-40B4-BE49-F238E27FC236}">
-                <a16:creationId xmlns:a16="http://schemas.microsoft.com/office/drawing/2014/main" id="{E7C5228A-AB3F-D8A0-17B2-155852EFA3F7}"/>
+                <a16:creationId xmlns:a16="http://schemas.microsoft.com/office/drawing/2014/main" id="{4030985A-E213-87A5-97B3-15E0BD9B709D}"/>
               </a:ext>
             </a:extLst>
           </p:cNvPr>
@@ -7059,18 +10625,99 @@
             <a:spLocks noGrp="1"/>
           </p:cNvSpPr>
           <p:nvPr>
-            <p:ph idx="1"/>
+            <p:ph sz="half" idx="1"/>
           </p:nvPr>
         </p:nvSpPr>
-        <p:spPr/>
+        <p:spPr>
+          <a:xfrm>
+            <a:off x="913795" y="2076450"/>
+            <a:ext cx="5431249" cy="3711033"/>
+          </a:xfrm>
+        </p:spPr>
         <p:txBody>
-          <a:bodyPr/>
+          <a:bodyPr>
+            <a:normAutofit fontScale="92500" lnSpcReduction="10000"/>
+          </a:bodyPr>
           <a:lstStyle/>
           <a:p>
-            <a:endParaRPr lang="fr-FR"/>
+            <a:r>
+              <a:rPr lang="fr-FR" dirty="0"/>
+              <a:t>Augmenter le nombre de répondant</a:t>
+            </a:r>
+          </a:p>
+          <a:p>
+            <a:endParaRPr lang="fr-FR" dirty="0"/>
+          </a:p>
+          <a:p>
+            <a:r>
+              <a:rPr lang="fr-FR" dirty="0"/>
+              <a:t>T/Biodéchets par ans sur 10ans (Voir tout les déchets)</a:t>
+            </a:r>
+          </a:p>
+          <a:p>
+            <a:endParaRPr lang="fr-FR" dirty="0"/>
+          </a:p>
+          <a:p>
+            <a:r>
+              <a:rPr lang="fr-FR" dirty="0"/>
+              <a:t>La densité et d’autre facteurs plus généraux</a:t>
+            </a:r>
+          </a:p>
+          <a:p>
+            <a:endParaRPr lang="fr-FR" dirty="0"/>
+          </a:p>
+          <a:p>
+            <a:r>
+              <a:rPr lang="fr-FR" dirty="0"/>
+              <a:t>Nombre de communes concernées </a:t>
+            </a:r>
           </a:p>
         </p:txBody>
       </p:sp>
+      <p:pic>
+        <p:nvPicPr>
+          <p:cNvPr id="8" name="Espace réservé du contenu 7">
+            <a:extLst>
+              <a:ext uri="{FF2B5EF4-FFF2-40B4-BE49-F238E27FC236}">
+                <a16:creationId xmlns:a16="http://schemas.microsoft.com/office/drawing/2014/main" id="{CF78EADD-46BD-8B74-4ECB-164B3CB75056}"/>
+              </a:ext>
+            </a:extLst>
+          </p:cNvPr>
+          <p:cNvPicPr>
+            <a:picLocks noGrp="1" noChangeAspect="1"/>
+          </p:cNvPicPr>
+          <p:nvPr>
+            <p:ph sz="half" idx="2"/>
+          </p:nvPr>
+        </p:nvPicPr>
+        <p:blipFill rotWithShape="1">
+          <a:blip r:embed="rId2">
+            <a:extLst>
+              <a:ext uri="{BEBA8EAE-BF5A-486C-A8C5-ECC9F3942E4B}">
+                <a14:imgProps xmlns:a14="http://schemas.microsoft.com/office/drawing/2010/main">
+                  <a14:imgLayer r:embed="rId3">
+                    <a14:imgEffect>
+                      <a14:brightnessContrast bright="100000"/>
+                    </a14:imgEffect>
+                  </a14:imgLayer>
+                </a14:imgProps>
+              </a:ext>
+              <a:ext uri="{28A0092B-C50C-407E-A947-70E740481C1C}">
+                <a14:useLocalDpi xmlns:a14="http://schemas.microsoft.com/office/drawing/2010/main" val="0"/>
+              </a:ext>
+            </a:extLst>
+          </a:blip>
+          <a:srcRect l="16552" r="13881" b="19671"/>
+          <a:stretch/>
+        </p:blipFill>
+        <p:spPr>
+          <a:xfrm>
+            <a:off x="7895063" y="2076450"/>
+            <a:ext cx="2520176" cy="2910078"/>
+          </a:xfrm>
+          <a:noFill/>
+        </p:spPr>
+      </p:pic>
       <p:sp>
         <p:nvSpPr>
           <p:cNvPr id="4" name="Espace réservé du numéro de diapositive 3">
@@ -7087,17 +10734,33 @@
             <p:ph type="sldNum" sz="quarter" idx="12"/>
           </p:nvPr>
         </p:nvSpPr>
-        <p:spPr/>
+        <p:spPr>
+          <a:xfrm>
+            <a:off x="10514011" y="6000749"/>
+            <a:ext cx="753545" cy="365125"/>
+          </a:xfrm>
+        </p:spPr>
         <p:txBody>
-          <a:bodyPr/>
+          <a:bodyPr anchor="ctr">
+            <a:normAutofit/>
+          </a:bodyPr>
           <a:lstStyle/>
           <a:p>
-            <a:pPr rtl="0"/>
+            <a:pPr rtl="0">
+              <a:spcAft>
+                <a:spcPts val="600"/>
+              </a:spcAft>
+            </a:pPr>
             <a:fld id="{3A98EE3D-8CD1-4C3F-BD1C-C98C9596463C}" type="slidenum">
               <a:rPr lang="en-US" smtClean="0"/>
-              <a:t>11</a:t>
+              <a:pPr rtl="0">
+                <a:spcAft>
+                  <a:spcPts val="600"/>
+                </a:spcAft>
+              </a:pPr>
+              <a:t>17</a:t>
             </a:fld>
-            <a:endParaRPr lang="en-US" dirty="0"/>
+            <a:endParaRPr lang="en-US"/>
           </a:p>
         </p:txBody>
       </p:sp>
@@ -7111,10 +10774,22 @@
   <p:clrMapOvr>
     <a:masterClrMapping/>
   </p:clrMapOvr>
+  <mc:AlternateContent xmlns:mc="http://schemas.openxmlformats.org/markup-compatibility/2006">
+    <mc:Choice xmlns:p14="http://schemas.microsoft.com/office/powerpoint/2010/main" Requires="p14">
+      <p:transition spd="med" p14:dur="700">
+        <p:fade/>
+      </p:transition>
+    </mc:Choice>
+    <mc:Fallback>
+      <p:transition spd="med">
+        <p:fade/>
+      </p:transition>
+    </mc:Fallback>
+  </mc:AlternateContent>
 </p:sld>
 </file>
 
-<file path=ppt/slides/slide12.xml><?xml version="1.0" encoding="utf-8"?>
+<file path=ppt/slides/slide18.xml><?xml version="1.0" encoding="utf-8"?>
 <p:sld xmlns:a="http://schemas.openxmlformats.org/drawingml/2006/main" xmlns:r="http://schemas.openxmlformats.org/officeDocument/2006/relationships" xmlns:p="http://schemas.openxmlformats.org/presentationml/2006/main">
   <p:cSld>
     <p:spTree>
@@ -7183,7 +10858,7 @@
             <a:pPr rtl="0"/>
             <a:fld id="{3A98EE3D-8CD1-4C3F-BD1C-C98C9596463C}" type="slidenum">
               <a:rPr lang="en-US" smtClean="0"/>
-              <a:t>12</a:t>
+              <a:t>18</a:t>
             </a:fld>
             <a:endParaRPr lang="en-US" dirty="0"/>
           </a:p>
@@ -7257,7 +10932,7 @@
         </p:blipFill>
         <p:spPr bwMode="auto">
           <a:xfrm>
-            <a:off x="0" y="2345389"/>
+            <a:off x="200025" y="2345389"/>
             <a:ext cx="5033818" cy="3405692"/>
           </a:xfrm>
           <a:prstGeom prst="rect">
@@ -7320,6 +10995,18 @@
   <p:clrMapOvr>
     <a:masterClrMapping/>
   </p:clrMapOvr>
+  <mc:AlternateContent xmlns:mc="http://schemas.openxmlformats.org/markup-compatibility/2006">
+    <mc:Choice xmlns:p14="http://schemas.microsoft.com/office/powerpoint/2010/main" Requires="p14">
+      <p:transition spd="med" p14:dur="700">
+        <p:fade/>
+      </p:transition>
+    </mc:Choice>
+    <mc:Fallback>
+      <p:transition spd="med">
+        <p:fade/>
+      </p:transition>
+    </mc:Fallback>
+  </mc:AlternateContent>
 </p:sld>
 </file>
 
@@ -7392,7 +11079,7 @@
         </p:spPr>
         <p:txBody>
           <a:bodyPr>
-            <a:normAutofit/>
+            <a:normAutofit fontScale="92500" lnSpcReduction="10000"/>
           </a:bodyPr>
           <a:lstStyle/>
           <a:p>
@@ -7425,6 +11112,12 @@
             <a:r>
               <a:rPr lang="fr-FR" dirty="0"/>
               <a:t>Notre site</a:t>
+            </a:r>
+          </a:p>
+          <a:p>
+            <a:r>
+              <a:rPr lang="fr-FR" dirty="0"/>
+              <a:t>Notre carte</a:t>
             </a:r>
           </a:p>
           <a:p>
@@ -7480,6 +11173,90 @@
           </a:p>
         </p:txBody>
       </p:sp>
+      <p:pic>
+        <p:nvPicPr>
+          <p:cNvPr id="6" name="Image 5">
+            <a:extLst>
+              <a:ext uri="{FF2B5EF4-FFF2-40B4-BE49-F238E27FC236}">
+                <a16:creationId xmlns:a16="http://schemas.microsoft.com/office/drawing/2014/main" id="{57B2AAEB-63F1-827B-23E4-30BBA1BF45A1}"/>
+              </a:ext>
+            </a:extLst>
+          </p:cNvPr>
+          <p:cNvPicPr>
+            <a:picLocks noChangeAspect="1"/>
+          </p:cNvPicPr>
+          <p:nvPr/>
+        </p:nvPicPr>
+        <p:blipFill rotWithShape="1">
+          <a:blip r:embed="rId2">
+            <a:extLst>
+              <a:ext uri="{BEBA8EAE-BF5A-486C-A8C5-ECC9F3942E4B}">
+                <a14:imgProps xmlns:a14="http://schemas.microsoft.com/office/drawing/2010/main">
+                  <a14:imgLayer r:embed="rId3">
+                    <a14:imgEffect>
+                      <a14:brightnessContrast bright="100000"/>
+                    </a14:imgEffect>
+                  </a14:imgLayer>
+                </a14:imgProps>
+              </a:ext>
+              <a:ext uri="{28A0092B-C50C-407E-A947-70E740481C1C}">
+                <a14:useLocalDpi xmlns:a14="http://schemas.microsoft.com/office/drawing/2010/main" val="0"/>
+              </a:ext>
+            </a:extLst>
+          </a:blip>
+          <a:srcRect l="10857" t="12858" r="9571" b="36142"/>
+          <a:stretch/>
+        </p:blipFill>
+        <p:spPr>
+          <a:xfrm>
+            <a:off x="8334376" y="2288383"/>
+            <a:ext cx="1562100" cy="1001203"/>
+          </a:xfrm>
+          <a:prstGeom prst="rect">
+            <a:avLst/>
+          </a:prstGeom>
+        </p:spPr>
+      </p:pic>
+      <p:pic>
+        <p:nvPicPr>
+          <p:cNvPr id="8" name="Graphique 7" descr="Présentation avec graphique à barres contour">
+            <a:extLst>
+              <a:ext uri="{FF2B5EF4-FFF2-40B4-BE49-F238E27FC236}">
+                <a16:creationId xmlns:a16="http://schemas.microsoft.com/office/drawing/2014/main" id="{9ACBBA42-3AE1-4F80-2C31-A64CB7157588}"/>
+              </a:ext>
+            </a:extLst>
+          </p:cNvPr>
+          <p:cNvPicPr>
+            <a:picLocks noChangeAspect="1"/>
+          </p:cNvPicPr>
+          <p:nvPr/>
+        </p:nvPicPr>
+        <p:blipFill>
+          <a:blip r:embed="rId4">
+            <a:lum bright="100000"/>
+            <a:extLst>
+              <a:ext uri="{28A0092B-C50C-407E-A947-70E740481C1C}">
+                <a14:useLocalDpi xmlns:a14="http://schemas.microsoft.com/office/drawing/2010/main" val="0"/>
+              </a:ext>
+              <a:ext uri="{96DAC541-7B7A-43D3-8B79-37D633B846F1}">
+                <asvg:svgBlip xmlns:asvg="http://schemas.microsoft.com/office/drawing/2016/SVG/main" r:embed="rId5"/>
+              </a:ext>
+            </a:extLst>
+          </a:blip>
+          <a:stretch>
+            <a:fillRect/>
+          </a:stretch>
+        </p:blipFill>
+        <p:spPr>
+          <a:xfrm>
+            <a:off x="5153025" y="3429000"/>
+            <a:ext cx="2362200" cy="2362200"/>
+          </a:xfrm>
+          <a:prstGeom prst="rect">
+            <a:avLst/>
+          </a:prstGeom>
+        </p:spPr>
+      </p:pic>
     </p:spTree>
     <p:extLst>
       <p:ext uri="{BB962C8B-B14F-4D97-AF65-F5344CB8AC3E}">
@@ -7490,6 +11267,18 @@
   <p:clrMapOvr>
     <a:masterClrMapping/>
   </p:clrMapOvr>
+  <mc:AlternateContent xmlns:mc="http://schemas.openxmlformats.org/markup-compatibility/2006">
+    <mc:Choice xmlns:p14="http://schemas.microsoft.com/office/powerpoint/2010/main" Requires="p14">
+      <p:transition spd="med" p14:dur="700">
+        <p:fade/>
+      </p:transition>
+    </mc:Choice>
+    <mc:Fallback>
+      <p:transition spd="med">
+        <p:fade/>
+      </p:transition>
+    </mc:Fallback>
+  </mc:AlternateContent>
 </p:sld>
 </file>
 
@@ -7541,31 +11330,6 @@
       </p:sp>
       <p:sp>
         <p:nvSpPr>
-          <p:cNvPr id="3" name="Espace réservé du contenu 2">
-            <a:extLst>
-              <a:ext uri="{FF2B5EF4-FFF2-40B4-BE49-F238E27FC236}">
-                <a16:creationId xmlns:a16="http://schemas.microsoft.com/office/drawing/2014/main" id="{9BCF1F2D-D78B-79D4-11DC-D87EC59DB81E}"/>
-              </a:ext>
-            </a:extLst>
-          </p:cNvPr>
-          <p:cNvSpPr>
-            <a:spLocks noGrp="1"/>
-          </p:cNvSpPr>
-          <p:nvPr>
-            <p:ph idx="1"/>
-          </p:nvPr>
-        </p:nvSpPr>
-        <p:spPr/>
-        <p:txBody>
-          <a:bodyPr/>
-          <a:lstStyle/>
-          <a:p>
-            <a:endParaRPr lang="fr-FR" dirty="0"/>
-          </a:p>
-        </p:txBody>
-      </p:sp>
-      <p:sp>
-        <p:nvSpPr>
           <p:cNvPr id="4" name="Espace réservé du numéro de diapositive 3">
             <a:extLst>
               <a:ext uri="{FF2B5EF4-FFF2-40B4-BE49-F238E27FC236}">
@@ -7594,6 +11358,141 @@
           </a:p>
         </p:txBody>
       </p:sp>
+      <p:sp>
+        <p:nvSpPr>
+          <p:cNvPr id="5" name="Espace réservé du contenu 2">
+            <a:extLst>
+              <a:ext uri="{FF2B5EF4-FFF2-40B4-BE49-F238E27FC236}">
+                <a16:creationId xmlns:a16="http://schemas.microsoft.com/office/drawing/2014/main" id="{ABA231C6-D2B7-09DC-8D76-990A049D1A71}"/>
+              </a:ext>
+            </a:extLst>
+          </p:cNvPr>
+          <p:cNvSpPr>
+            <a:spLocks noGrp="1"/>
+          </p:cNvSpPr>
+          <p:nvPr>
+            <p:ph idx="1"/>
+          </p:nvPr>
+        </p:nvSpPr>
+        <p:spPr>
+          <a:xfrm>
+            <a:off x="913795" y="2076450"/>
+            <a:ext cx="10353762" cy="4429125"/>
+          </a:xfrm>
+        </p:spPr>
+        <p:txBody>
+          <a:bodyPr>
+            <a:normAutofit fontScale="77500" lnSpcReduction="20000"/>
+          </a:bodyPr>
+          <a:lstStyle/>
+          <a:p>
+            <a:pPr marL="36900" indent="0">
+              <a:buNone/>
+            </a:pPr>
+            <a:r>
+              <a:rPr lang="fr-FR" dirty="0" err="1"/>
+              <a:t>Compostplus</a:t>
+            </a:r>
+            <a:r>
+              <a:rPr lang="fr-FR" dirty="0"/>
+              <a:t> est une association non lucratif française fondée en 2011, dédiée au tri à la source des biodéchets. Ce réseau national réunit élus et techniciens de différentes collectivités pour faciliter les échanges. Composée d’une dizaines d’employés, l'organisation œuvre pour un environnement plus durable.</a:t>
+            </a:r>
+            <a:br>
+              <a:rPr lang="fr-FR" dirty="0"/>
+            </a:br>
+            <a:endParaRPr lang="fr-FR" dirty="0"/>
+          </a:p>
+          <a:p>
+            <a:pPr marL="36900" indent="0">
+              <a:buNone/>
+            </a:pPr>
+            <a:r>
+              <a:rPr lang="fr-FR" dirty="0"/>
+              <a:t>Les objectifs du réseau : </a:t>
+            </a:r>
+          </a:p>
+          <a:p>
+            <a:r>
+              <a:rPr lang="fr-FR" dirty="0"/>
+              <a:t>Apporter une expertise technique et un soutien politique aux collectivités</a:t>
+            </a:r>
+          </a:p>
+          <a:p>
+            <a:endParaRPr lang="fr-FR" dirty="0"/>
+          </a:p>
+          <a:p>
+            <a:r>
+              <a:rPr lang="fr-FR" dirty="0"/>
+              <a:t>Promouvoir la filière et la production d’un compost de qualité</a:t>
+            </a:r>
+          </a:p>
+          <a:p>
+            <a:endParaRPr lang="fr-FR" dirty="0"/>
+          </a:p>
+          <a:p>
+            <a:r>
+              <a:rPr lang="fr-FR" dirty="0"/>
+              <a:t>Capitaliser et rendre accessible les retours d’expérience</a:t>
+            </a:r>
+          </a:p>
+          <a:p>
+            <a:endParaRPr lang="fr-FR" dirty="0"/>
+          </a:p>
+          <a:p>
+            <a:r>
+              <a:rPr lang="fr-FR" dirty="0"/>
+              <a:t>Mutualiser les besoins des collectivités de la filière</a:t>
+            </a:r>
+          </a:p>
+        </p:txBody>
+      </p:sp>
+      <p:pic>
+        <p:nvPicPr>
+          <p:cNvPr id="6" name="Image 5">
+            <a:extLst>
+              <a:ext uri="{FF2B5EF4-FFF2-40B4-BE49-F238E27FC236}">
+                <a16:creationId xmlns:a16="http://schemas.microsoft.com/office/drawing/2014/main" id="{1FE21BA7-C625-3AA2-0928-50C72F32368F}"/>
+              </a:ext>
+            </a:extLst>
+          </p:cNvPr>
+          <p:cNvPicPr>
+            <a:picLocks noChangeAspect="1"/>
+          </p:cNvPicPr>
+          <p:nvPr/>
+        </p:nvPicPr>
+        <p:blipFill rotWithShape="1">
+          <a:blip r:embed="rId2">
+            <a:extLst>
+              <a:ext uri="{BEBA8EAE-BF5A-486C-A8C5-ECC9F3942E4B}">
+                <a14:imgProps xmlns:a14="http://schemas.microsoft.com/office/drawing/2010/main">
+                  <a14:imgLayer r:embed="rId3">
+                    <a14:imgEffect>
+                      <a14:saturation sat="0"/>
+                    </a14:imgEffect>
+                    <a14:imgEffect>
+                      <a14:brightnessContrast bright="100000"/>
+                    </a14:imgEffect>
+                  </a14:imgLayer>
+                </a14:imgProps>
+              </a:ext>
+              <a:ext uri="{28A0092B-C50C-407E-A947-70E740481C1C}">
+                <a14:useLocalDpi xmlns:a14="http://schemas.microsoft.com/office/drawing/2010/main" val="0"/>
+              </a:ext>
+            </a:extLst>
+          </a:blip>
+          <a:srcRect b="16857"/>
+          <a:stretch/>
+        </p:blipFill>
+        <p:spPr>
+          <a:xfrm>
+            <a:off x="8439159" y="3752849"/>
+            <a:ext cx="2451624" cy="2038350"/>
+          </a:xfrm>
+          <a:prstGeom prst="rect">
+            <a:avLst/>
+          </a:prstGeom>
+        </p:spPr>
+      </p:pic>
     </p:spTree>
     <p:extLst>
       <p:ext uri="{BB962C8B-B14F-4D97-AF65-F5344CB8AC3E}">
@@ -7604,6 +11503,18 @@
   <p:clrMapOvr>
     <a:masterClrMapping/>
   </p:clrMapOvr>
+  <mc:AlternateContent xmlns:mc="http://schemas.openxmlformats.org/markup-compatibility/2006">
+    <mc:Choice xmlns:p14="http://schemas.microsoft.com/office/powerpoint/2010/main" Requires="p14">
+      <p:transition spd="med" p14:dur="700">
+        <p:fade/>
+      </p:transition>
+    </mc:Choice>
+    <mc:Fallback>
+      <p:transition spd="med">
+        <p:fade/>
+      </p:transition>
+    </mc:Fallback>
+  </mc:AlternateContent>
 </p:sld>
 </file>
 
@@ -7668,7 +11579,12 @@
             <p:ph idx="1"/>
           </p:nvPr>
         </p:nvSpPr>
-        <p:spPr/>
+        <p:spPr>
+          <a:xfrm>
+            <a:off x="913794" y="2057400"/>
+            <a:ext cx="10353762" cy="3714749"/>
+          </a:xfrm>
+        </p:spPr>
         <p:txBody>
           <a:bodyPr/>
           <a:lstStyle/>
@@ -7702,7 +11618,7 @@
           <a:p>
             <a:r>
               <a:rPr lang="fr-FR" sz="1800" dirty="0"/>
-              <a:t>Quels seraient d’après vous les autres facteurs susceptibles d’influencer sur la réussite de la collecte séparée (=quantité de biodéchets collectés) ?</a:t>
+              <a:t>Quels seraient d’après vous les autres facteurs susceptibles d’influencer sur la réussite de la collecte séparée ?</a:t>
             </a:r>
           </a:p>
         </p:txBody>
@@ -7835,6 +11751,18 @@
   <p:clrMapOvr>
     <a:masterClrMapping/>
   </p:clrMapOvr>
+  <mc:AlternateContent xmlns:mc="http://schemas.openxmlformats.org/markup-compatibility/2006">
+    <mc:Choice xmlns:p14="http://schemas.microsoft.com/office/powerpoint/2010/main" Requires="p14">
+      <p:transition spd="med" p14:dur="700">
+        <p:fade/>
+      </p:transition>
+    </mc:Choice>
+    <mc:Fallback>
+      <p:transition spd="med">
+        <p:fade/>
+      </p:transition>
+    </mc:Fallback>
+  </mc:AlternateContent>
 </p:sld>
 </file>
 
@@ -7927,7 +11855,7 @@
         </p:nvSpPr>
         <p:spPr>
           <a:xfrm>
-            <a:off x="1079770" y="2110902"/>
+            <a:off x="1079770" y="2413337"/>
             <a:ext cx="10187786" cy="2031325"/>
           </a:xfrm>
           <a:prstGeom prst="rect">
@@ -7967,6 +11895,50 @@
           </a:p>
         </p:txBody>
       </p:sp>
+      <p:pic>
+        <p:nvPicPr>
+          <p:cNvPr id="6" name="Image 5">
+            <a:extLst>
+              <a:ext uri="{FF2B5EF4-FFF2-40B4-BE49-F238E27FC236}">
+                <a16:creationId xmlns:a16="http://schemas.microsoft.com/office/drawing/2014/main" id="{291F0CDB-7480-DF8B-E728-FD511C4D97C0}"/>
+              </a:ext>
+            </a:extLst>
+          </p:cNvPr>
+          <p:cNvPicPr>
+            <a:picLocks noChangeAspect="1"/>
+          </p:cNvPicPr>
+          <p:nvPr/>
+        </p:nvPicPr>
+        <p:blipFill rotWithShape="1">
+          <a:blip r:embed="rId2">
+            <a:extLst>
+              <a:ext uri="{BEBA8EAE-BF5A-486C-A8C5-ECC9F3942E4B}">
+                <a14:imgProps xmlns:a14="http://schemas.microsoft.com/office/drawing/2010/main">
+                  <a14:imgLayer r:embed="rId3">
+                    <a14:imgEffect>
+                      <a14:brightnessContrast bright="100000"/>
+                    </a14:imgEffect>
+                  </a14:imgLayer>
+                </a14:imgProps>
+              </a:ext>
+              <a:ext uri="{28A0092B-C50C-407E-A947-70E740481C1C}">
+                <a14:useLocalDpi xmlns:a14="http://schemas.microsoft.com/office/drawing/2010/main" val="0"/>
+              </a:ext>
+            </a:extLst>
+          </a:blip>
+          <a:srcRect l="11286" b="21143"/>
+          <a:stretch/>
+        </p:blipFill>
+        <p:spPr>
+          <a:xfrm>
+            <a:off x="8353424" y="4570940"/>
+            <a:ext cx="2019301" cy="1794934"/>
+          </a:xfrm>
+          <a:prstGeom prst="rect">
+            <a:avLst/>
+          </a:prstGeom>
+        </p:spPr>
+      </p:pic>
     </p:spTree>
     <p:extLst>
       <p:ext uri="{BB962C8B-B14F-4D97-AF65-F5344CB8AC3E}">
@@ -7977,6 +11949,18 @@
   <p:clrMapOvr>
     <a:masterClrMapping/>
   </p:clrMapOvr>
+  <mc:AlternateContent xmlns:mc="http://schemas.openxmlformats.org/markup-compatibility/2006">
+    <mc:Choice xmlns:p14="http://schemas.microsoft.com/office/powerpoint/2010/main" Requires="p14">
+      <p:transition spd="med" p14:dur="700">
+        <p:fade/>
+      </p:transition>
+    </mc:Choice>
+    <mc:Fallback>
+      <p:transition spd="med">
+        <p:fade/>
+      </p:transition>
+    </mc:Fallback>
+  </mc:AlternateContent>
 </p:sld>
 </file>
 
@@ -11792,6 +15776,18 @@
   <p:clrMapOvr>
     <a:masterClrMapping/>
   </p:clrMapOvr>
+  <mc:AlternateContent xmlns:mc="http://schemas.openxmlformats.org/markup-compatibility/2006">
+    <mc:Choice xmlns:p14="http://schemas.microsoft.com/office/powerpoint/2010/main" Requires="p14">
+      <p:transition spd="med" p14:dur="700">
+        <p:fade/>
+      </p:transition>
+    </mc:Choice>
+    <mc:Fallback>
+      <p:transition spd="med">
+        <p:fade/>
+      </p:transition>
+    </mc:Fallback>
+  </mc:AlternateContent>
 </p:sld>
 </file>
 
@@ -16986,6 +20982,18 @@
   <p:clrMapOvr>
     <a:masterClrMapping/>
   </p:clrMapOvr>
+  <mc:AlternateContent xmlns:mc="http://schemas.openxmlformats.org/markup-compatibility/2006">
+    <mc:Choice xmlns:p14="http://schemas.microsoft.com/office/powerpoint/2010/main" Requires="p14">
+      <p:transition spd="med" p14:dur="700">
+        <p:fade/>
+      </p:transition>
+    </mc:Choice>
+    <mc:Fallback>
+      <p:transition spd="med">
+        <p:fade/>
+      </p:transition>
+    </mc:Fallback>
+  </mc:AlternateContent>
 </p:sld>
 </file>
 
@@ -17036,31 +21044,6 @@
       </p:sp>
       <p:sp>
         <p:nvSpPr>
-          <p:cNvPr id="3" name="Espace réservé du contenu 2">
-            <a:extLst>
-              <a:ext uri="{FF2B5EF4-FFF2-40B4-BE49-F238E27FC236}">
-                <a16:creationId xmlns:a16="http://schemas.microsoft.com/office/drawing/2014/main" id="{41ABA99A-09A4-8789-5F21-7BDD5AFC7152}"/>
-              </a:ext>
-            </a:extLst>
-          </p:cNvPr>
-          <p:cNvSpPr>
-            <a:spLocks noGrp="1"/>
-          </p:cNvSpPr>
-          <p:nvPr>
-            <p:ph idx="1"/>
-          </p:nvPr>
-        </p:nvSpPr>
-        <p:spPr/>
-        <p:txBody>
-          <a:bodyPr/>
-          <a:lstStyle/>
-          <a:p>
-            <a:endParaRPr lang="fr-FR"/>
-          </a:p>
-        </p:txBody>
-      </p:sp>
-      <p:sp>
-        <p:nvSpPr>
           <p:cNvPr id="4" name="Espace réservé du numéro de diapositive 3">
             <a:extLst>
               <a:ext uri="{FF2B5EF4-FFF2-40B4-BE49-F238E27FC236}">
@@ -17089,6 +21072,31 @@
           </a:p>
         </p:txBody>
       </p:sp>
+      <p:sp>
+        <p:nvSpPr>
+          <p:cNvPr id="8" name="Espace réservé du contenu 7">
+            <a:extLst>
+              <a:ext uri="{FF2B5EF4-FFF2-40B4-BE49-F238E27FC236}">
+                <a16:creationId xmlns:a16="http://schemas.microsoft.com/office/drawing/2014/main" id="{B2821F4B-38CC-9561-59CA-FB93978556D2}"/>
+              </a:ext>
+            </a:extLst>
+          </p:cNvPr>
+          <p:cNvSpPr>
+            <a:spLocks noGrp="1"/>
+          </p:cNvSpPr>
+          <p:nvPr>
+            <p:ph idx="1"/>
+          </p:nvPr>
+        </p:nvSpPr>
+        <p:spPr/>
+        <p:txBody>
+          <a:bodyPr/>
+          <a:lstStyle/>
+          <a:p>
+            <a:endParaRPr lang="fr-FR" dirty="0"/>
+          </a:p>
+        </p:txBody>
+      </p:sp>
     </p:spTree>
     <p:extLst>
       <p:ext uri="{BB962C8B-B14F-4D97-AF65-F5344CB8AC3E}">
@@ -17099,6 +21107,18 @@
   <p:clrMapOvr>
     <a:masterClrMapping/>
   </p:clrMapOvr>
+  <mc:AlternateContent xmlns:mc="http://schemas.openxmlformats.org/markup-compatibility/2006">
+    <mc:Choice xmlns:p14="http://schemas.microsoft.com/office/powerpoint/2010/main" Requires="p14">
+      <p:transition spd="med" p14:dur="700">
+        <p:fade/>
+      </p:transition>
+    </mc:Choice>
+    <mc:Fallback>
+      <p:transition spd="med">
+        <p:fade/>
+      </p:transition>
+    </mc:Fallback>
+  </mc:AlternateContent>
 </p:sld>
 </file>
 
@@ -17135,40 +21155,22 @@
             <p:ph type="title"/>
           </p:nvPr>
         </p:nvSpPr>
-        <p:spPr/>
+        <p:spPr>
+          <a:xfrm>
+            <a:off x="913795" y="609600"/>
+            <a:ext cx="10353762" cy="1261872"/>
+          </a:xfrm>
+        </p:spPr>
         <p:txBody>
-          <a:bodyPr/>
+          <a:bodyPr anchor="ctr">
+            <a:normAutofit/>
+          </a:bodyPr>
           <a:lstStyle/>
           <a:p>
             <a:r>
               <a:rPr lang="fr-FR" dirty="0"/>
-              <a:t>Les analyses</a:t>
+              <a:t>Notre carte</a:t>
             </a:r>
-          </a:p>
-        </p:txBody>
-      </p:sp>
-      <p:sp>
-        <p:nvSpPr>
-          <p:cNvPr id="3" name="Espace réservé du contenu 2">
-            <a:extLst>
-              <a:ext uri="{FF2B5EF4-FFF2-40B4-BE49-F238E27FC236}">
-                <a16:creationId xmlns:a16="http://schemas.microsoft.com/office/drawing/2014/main" id="{6B736807-06CD-7D3B-BDF1-1876300BC215}"/>
-              </a:ext>
-            </a:extLst>
-          </p:cNvPr>
-          <p:cNvSpPr>
-            <a:spLocks noGrp="1"/>
-          </p:cNvSpPr>
-          <p:nvPr>
-            <p:ph idx="1"/>
-          </p:nvPr>
-        </p:nvSpPr>
-        <p:spPr/>
-        <p:txBody>
-          <a:bodyPr/>
-          <a:lstStyle/>
-          <a:p>
-            <a:endParaRPr lang="fr-FR"/>
           </a:p>
         </p:txBody>
       </p:sp>
@@ -17188,30 +21190,152 @@
             <p:ph type="sldNum" sz="quarter" idx="12"/>
           </p:nvPr>
         </p:nvSpPr>
-        <p:spPr/>
+        <p:spPr>
+          <a:xfrm>
+            <a:off x="10514011" y="6000749"/>
+            <a:ext cx="753545" cy="365125"/>
+          </a:xfrm>
+        </p:spPr>
         <p:txBody>
-          <a:bodyPr/>
+          <a:bodyPr anchor="ctr">
+            <a:normAutofit/>
+          </a:bodyPr>
           <a:lstStyle/>
           <a:p>
-            <a:pPr rtl="0"/>
+            <a:pPr rtl="0">
+              <a:spcAft>
+                <a:spcPts val="600"/>
+              </a:spcAft>
+            </a:pPr>
             <a:fld id="{3A98EE3D-8CD1-4C3F-BD1C-C98C9596463C}" type="slidenum">
               <a:rPr lang="en-US" smtClean="0"/>
+              <a:pPr rtl="0">
+                <a:spcAft>
+                  <a:spcPts val="600"/>
+                </a:spcAft>
+              </a:pPr>
               <a:t>9</a:t>
             </a:fld>
-            <a:endParaRPr lang="en-US" dirty="0"/>
+            <a:endParaRPr lang="en-US"/>
           </a:p>
         </p:txBody>
       </p:sp>
+      <p:cxnSp>
+        <p:nvCxnSpPr>
+          <p:cNvPr id="21" name="Connecteur droit 20">
+            <a:extLst>
+              <a:ext uri="{FF2B5EF4-FFF2-40B4-BE49-F238E27FC236}">
+                <a16:creationId xmlns:a16="http://schemas.microsoft.com/office/drawing/2014/main" id="{36FFFBA3-DE3C-FA6F-FD23-0E21F2C28D64}"/>
+              </a:ext>
+            </a:extLst>
+          </p:cNvPr>
+          <p:cNvCxnSpPr>
+            <a:cxnSpLocks/>
+          </p:cNvCxnSpPr>
+          <p:nvPr/>
+        </p:nvCxnSpPr>
+        <p:spPr>
+          <a:xfrm>
+            <a:off x="7267575" y="2705100"/>
+            <a:ext cx="0" cy="2247900"/>
+          </a:xfrm>
+          <a:prstGeom prst="line">
+            <a:avLst/>
+          </a:prstGeom>
+          <a:ln w="28575">
+            <a:solidFill>
+              <a:schemeClr val="bg1">
+                <a:lumMod val="95000"/>
+                <a:lumOff val="5000"/>
+              </a:schemeClr>
+            </a:solidFill>
+            <a:prstDash val="sysDash"/>
+          </a:ln>
+        </p:spPr>
+        <p:style>
+          <a:lnRef idx="1">
+            <a:schemeClr val="accent1"/>
+          </a:lnRef>
+          <a:fillRef idx="0">
+            <a:schemeClr val="accent1"/>
+          </a:fillRef>
+          <a:effectRef idx="0">
+            <a:schemeClr val="accent1"/>
+          </a:effectRef>
+          <a:fontRef idx="minor">
+            <a:schemeClr val="tx1"/>
+          </a:fontRef>
+        </p:style>
+      </p:cxnSp>
+      <p:cxnSp>
+        <p:nvCxnSpPr>
+          <p:cNvPr id="24" name="Connecteur droit 23">
+            <a:extLst>
+              <a:ext uri="{FF2B5EF4-FFF2-40B4-BE49-F238E27FC236}">
+                <a16:creationId xmlns:a16="http://schemas.microsoft.com/office/drawing/2014/main" id="{17412734-1B50-867F-1E9A-369EFB5FDB43}"/>
+              </a:ext>
+            </a:extLst>
+          </p:cNvPr>
+          <p:cNvCxnSpPr>
+            <a:cxnSpLocks/>
+          </p:cNvCxnSpPr>
+          <p:nvPr/>
+        </p:nvCxnSpPr>
+        <p:spPr>
+          <a:xfrm>
+            <a:off x="7943850" y="2705100"/>
+            <a:ext cx="0" cy="2247900"/>
+          </a:xfrm>
+          <a:prstGeom prst="line">
+            <a:avLst/>
+          </a:prstGeom>
+          <a:ln w="28575">
+            <a:solidFill>
+              <a:schemeClr val="bg1">
+                <a:lumMod val="95000"/>
+                <a:lumOff val="5000"/>
+              </a:schemeClr>
+            </a:solidFill>
+            <a:prstDash val="sysDash"/>
+          </a:ln>
+        </p:spPr>
+        <p:style>
+          <a:lnRef idx="1">
+            <a:schemeClr val="accent1"/>
+          </a:lnRef>
+          <a:fillRef idx="0">
+            <a:schemeClr val="accent1"/>
+          </a:fillRef>
+          <a:effectRef idx="0">
+            <a:schemeClr val="accent1"/>
+          </a:effectRef>
+          <a:fontRef idx="minor">
+            <a:schemeClr val="tx1"/>
+          </a:fontRef>
+        </p:style>
+      </p:cxnSp>
     </p:spTree>
     <p:extLst>
       <p:ext uri="{BB962C8B-B14F-4D97-AF65-F5344CB8AC3E}">
-        <p14:creationId xmlns:p14="http://schemas.microsoft.com/office/powerpoint/2010/main" val="1438455874"/>
+        <p14:creationId xmlns:p14="http://schemas.microsoft.com/office/powerpoint/2010/main" val="1976996320"/>
       </p:ext>
     </p:extLst>
   </p:cSld>
   <p:clrMapOvr>
     <a:masterClrMapping/>
   </p:clrMapOvr>
+  <mc:AlternateContent xmlns:mc="http://schemas.openxmlformats.org/markup-compatibility/2006">
+    <mc:Choice xmlns:p14="http://schemas.microsoft.com/office/powerpoint/2010/main" Requires="p14">
+      <p:transition spd="med" p14:dur="700">
+        <p:fade/>
+      </p:transition>
+    </mc:Choice>
+    <mc:Fallback>
+      <p:transition spd="med">
+        <p:fade/>
+      </p:transition>
+    </mc:Fallback>
+  </mc:AlternateContent>
 </p:sld>
 </file>
 
